--- a/Pattern Scheduler.pptx
+++ b/Pattern Scheduler.pptx
@@ -26,11 +26,17 @@
     <p:sldId id="273" r:id="rId21"/>
     <p:sldId id="274" r:id="rId22"/>
     <p:sldId id="275" r:id="rId23"/>
+    <p:sldId id="299" r:id="rId24"/>
+    <p:sldId id="298" r:id="rId25"/>
+    <p:sldId id="297" r:id="rId26"/>
+    <p:sldId id="300" r:id="rId27"/>
+    <p:sldId id="301" r:id="rId28"/>
+    <p:sldId id="302" r:id="rId29"/>
   </p:sldIdLst>
   <p:sldSz cx="12192000" cy="6858000"/>
   <p:notesSz cx="6858000" cy="9144000"/>
   <p:custDataLst>
-    <p:tags r:id="rId27"/>
+    <p:tags r:id="rId33"/>
   </p:custDataLst>
   <p:defaultTextStyle>
     <a:defPPr>
@@ -2672,7 +2678,7 @@
         <a:spcBef>
           <a:spcPts val="1000"/>
         </a:spcBef>
-        <a:buFont typeface="Arial" panose="020B0604020202020204" pitchFamily="34" charset="0"/>
+        <a:buFont typeface="Arial" panose="02080604020202020204" pitchFamily="34" charset="0"/>
         <a:buChar char="•"/>
         <a:defRPr sz="2800" kern="1200">
           <a:solidFill>
@@ -2690,7 +2696,7 @@
         <a:spcBef>
           <a:spcPts val="500"/>
         </a:spcBef>
-        <a:buFont typeface="Arial" panose="020B0604020202020204" pitchFamily="34" charset="0"/>
+        <a:buFont typeface="Arial" panose="02080604020202020204" pitchFamily="34" charset="0"/>
         <a:buChar char="•"/>
         <a:defRPr sz="2400" kern="1200">
           <a:solidFill>
@@ -2708,7 +2714,7 @@
         <a:spcBef>
           <a:spcPts val="500"/>
         </a:spcBef>
-        <a:buFont typeface="Arial" panose="020B0604020202020204" pitchFamily="34" charset="0"/>
+        <a:buFont typeface="Arial" panose="02080604020202020204" pitchFamily="34" charset="0"/>
         <a:buChar char="•"/>
         <a:defRPr sz="2000" kern="1200">
           <a:solidFill>
@@ -2726,7 +2732,7 @@
         <a:spcBef>
           <a:spcPts val="500"/>
         </a:spcBef>
-        <a:buFont typeface="Arial" panose="020B0604020202020204" pitchFamily="34" charset="0"/>
+        <a:buFont typeface="Arial" panose="02080604020202020204" pitchFamily="34" charset="0"/>
         <a:buChar char="•"/>
         <a:defRPr sz="1800" kern="1200">
           <a:solidFill>
@@ -2744,7 +2750,7 @@
         <a:spcBef>
           <a:spcPts val="500"/>
         </a:spcBef>
-        <a:buFont typeface="Arial" panose="020B0604020202020204" pitchFamily="34" charset="0"/>
+        <a:buFont typeface="Arial" panose="02080604020202020204" pitchFamily="34" charset="0"/>
         <a:buChar char="•"/>
         <a:defRPr sz="1800" kern="1200">
           <a:solidFill>
@@ -2762,7 +2768,7 @@
         <a:spcBef>
           <a:spcPts val="500"/>
         </a:spcBef>
-        <a:buFont typeface="Arial" panose="020B0604020202020204" pitchFamily="34" charset="0"/>
+        <a:buFont typeface="Arial" panose="02080604020202020204" pitchFamily="34" charset="0"/>
         <a:buChar char="•"/>
         <a:defRPr sz="1800" kern="1200">
           <a:solidFill>
@@ -2780,7 +2786,7 @@
         <a:spcBef>
           <a:spcPts val="500"/>
         </a:spcBef>
-        <a:buFont typeface="Arial" panose="020B0604020202020204" pitchFamily="34" charset="0"/>
+        <a:buFont typeface="Arial" panose="02080604020202020204" pitchFamily="34" charset="0"/>
         <a:buChar char="•"/>
         <a:defRPr sz="1800" kern="1200">
           <a:solidFill>
@@ -2798,7 +2804,7 @@
         <a:spcBef>
           <a:spcPts val="500"/>
         </a:spcBef>
-        <a:buFont typeface="Arial" panose="020B0604020202020204" pitchFamily="34" charset="0"/>
+        <a:buFont typeface="Arial" panose="02080604020202020204" pitchFamily="34" charset="0"/>
         <a:buChar char="•"/>
         <a:defRPr sz="1800" kern="1200">
           <a:solidFill>
@@ -2816,7 +2822,7 @@
         <a:spcBef>
           <a:spcPts val="500"/>
         </a:spcBef>
-        <a:buFont typeface="Arial" panose="020B0604020202020204" pitchFamily="34" charset="0"/>
+        <a:buFont typeface="Arial" panose="02080604020202020204" pitchFamily="34" charset="0"/>
         <a:buChar char="•"/>
         <a:defRPr sz="1800" kern="1200">
           <a:solidFill>
@@ -10055,6 +10061,1575 @@
 </p:sld>
 </file>
 
+<file path=ppt/slides/slide22.xml><?xml version="1.0" encoding="utf-8"?>
+<p:sld xmlns:a="http://schemas.openxmlformats.org/drawingml/2006/main" xmlns:r="http://schemas.openxmlformats.org/officeDocument/2006/relationships" xmlns:p="http://schemas.openxmlformats.org/presentationml/2006/main">
+  <p:cSld>
+    <p:spTree>
+      <p:nvGrpSpPr>
+        <p:cNvPr id="1" name=""/>
+        <p:cNvGrpSpPr/>
+        <p:nvPr/>
+      </p:nvGrpSpPr>
+      <p:grpSpPr/>
+      <p:sp>
+        <p:nvSpPr>
+          <p:cNvPr id="4" name="标题 3"/>
+          <p:cNvSpPr>
+            <a:spLocks noGrp="1"/>
+          </p:cNvSpPr>
+          <p:nvPr>
+            <p:ph type="ctrTitle"/>
+          </p:nvPr>
+        </p:nvSpPr>
+        <p:spPr/>
+        <p:txBody>
+          <a:bodyPr/>
+          <a:p>
+            <a:r>
+              <a:rPr lang="zh-CN" altLang="en-US"/>
+              <a:t>实现模式读取的接口</a:t>
+            </a:r>
+            <a:endParaRPr lang="zh-CN" altLang="en-US"/>
+          </a:p>
+        </p:txBody>
+      </p:sp>
+      <p:sp>
+        <p:nvSpPr>
+          <p:cNvPr id="5" name="副标题 4"/>
+          <p:cNvSpPr>
+            <a:spLocks noGrp="1"/>
+          </p:cNvSpPr>
+          <p:nvPr>
+            <p:ph type="subTitle" idx="1"/>
+          </p:nvPr>
+        </p:nvSpPr>
+        <p:spPr/>
+        <p:txBody>
+          <a:bodyPr/>
+          <a:p>
+            <a:r>
+              <a:rPr lang="en-US" altLang="zh-CN"/>
+              <a:t>Feb 26th ~ March 5th</a:t>
+            </a:r>
+            <a:endParaRPr lang="en-US" altLang="zh-CN"/>
+          </a:p>
+        </p:txBody>
+      </p:sp>
+    </p:spTree>
+  </p:cSld>
+  <p:clrMapOvr>
+    <a:masterClrMapping/>
+  </p:clrMapOvr>
+</p:sld>
+</file>
+
+<file path=ppt/slides/slide23.xml><?xml version="1.0" encoding="utf-8"?>
+<p:sld xmlns:a="http://schemas.openxmlformats.org/drawingml/2006/main" xmlns:r="http://schemas.openxmlformats.org/officeDocument/2006/relationships" xmlns:p="http://schemas.openxmlformats.org/presentationml/2006/main">
+  <p:cSld>
+    <p:spTree>
+      <p:nvGrpSpPr>
+        <p:cNvPr id="1" name=""/>
+        <p:cNvGrpSpPr/>
+        <p:nvPr/>
+      </p:nvGrpSpPr>
+      <p:grpSpPr/>
+      <p:sp>
+        <p:nvSpPr>
+          <p:cNvPr id="2" name="标题 1"/>
+          <p:cNvSpPr>
+            <a:spLocks noGrp="1"/>
+          </p:cNvSpPr>
+          <p:nvPr>
+            <p:ph type="title"/>
+          </p:nvPr>
+        </p:nvSpPr>
+        <p:spPr/>
+        <p:txBody>
+          <a:bodyPr/>
+          <a:p>
+            <a:r>
+              <a:rPr lang="zh-CN" altLang="en-US"/>
+              <a:t>上次组会前完成了</a:t>
+            </a:r>
+            <a:endParaRPr lang="zh-CN" altLang="en-US"/>
+          </a:p>
+        </p:txBody>
+      </p:sp>
+      <p:sp>
+        <p:nvSpPr>
+          <p:cNvPr id="3" name="内容占位符 2"/>
+          <p:cNvSpPr>
+            <a:spLocks noGrp="1"/>
+          </p:cNvSpPr>
+          <p:nvPr>
+            <p:ph idx="1"/>
+          </p:nvPr>
+        </p:nvSpPr>
+        <p:spPr>
+          <a:xfrm>
+            <a:off x="838200" y="1825625"/>
+            <a:ext cx="10515600" cy="4465955"/>
+          </a:xfrm>
+        </p:spPr>
+        <p:txBody>
+          <a:bodyPr>
+            <a:normAutofit lnSpcReduction="10000"/>
+          </a:bodyPr>
+          <a:p>
+            <a:pPr marL="0" indent="0"/>
+            <a:r>
+              <a:rPr lang="zh-CN" altLang="en-US" sz="3200"/>
+              <a:t>模式之间包含关系的定义</a:t>
+            </a:r>
+            <a:endParaRPr lang="zh-CN" altLang="en-US" sz="3200"/>
+          </a:p>
+          <a:p>
+            <a:pPr marL="0" indent="0"/>
+            <a:r>
+              <a:rPr lang="zh-CN" altLang="en-US" sz="3200"/>
+              <a:t>模式之间包含关系的信息采集</a:t>
+            </a:r>
+            <a:endParaRPr lang="zh-CN" altLang="en-US" sz="3200"/>
+          </a:p>
+          <a:p>
+            <a:pPr marL="0" indent="0"/>
+            <a:endParaRPr lang="zh-CN" altLang="en-US" sz="3200"/>
+          </a:p>
+          <a:p>
+            <a:pPr marL="0" indent="0"/>
+            <a:endParaRPr lang="zh-CN" altLang="en-US" sz="3200"/>
+          </a:p>
+          <a:p>
+            <a:pPr marL="0" indent="0"/>
+            <a:endParaRPr lang="zh-CN" altLang="en-US" sz="3200"/>
+          </a:p>
+          <a:p>
+            <a:pPr lvl="0" algn="l">
+              <a:lnSpc>
+                <a:spcPct val="90000"/>
+              </a:lnSpc>
+              <a:spcBef>
+                <a:spcPts val="1000"/>
+              </a:spcBef>
+              <a:buClrTx/>
+              <a:buSzTx/>
+              <a:buFont typeface="Arial" panose="02080604020202020204" pitchFamily="34" charset="0"/>
+              <a:buChar char="•"/>
+            </a:pPr>
+            <a:r>
+              <a:rPr lang="zh-CN" altLang="en-US" sz="3200">
+                <a:sym typeface="+mn-ea"/>
+              </a:rPr>
+              <a:t>DataExtracter的接口</a:t>
+            </a:r>
+            <a:endParaRPr lang="zh-CN" altLang="en-US" sz="3200">
+              <a:sym typeface="+mn-ea"/>
+            </a:endParaRPr>
+          </a:p>
+          <a:p>
+            <a:pPr lvl="0" algn="l">
+              <a:lnSpc>
+                <a:spcPct val="90000"/>
+              </a:lnSpc>
+              <a:spcBef>
+                <a:spcPts val="1000"/>
+              </a:spcBef>
+              <a:buClrTx/>
+              <a:buSzTx/>
+              <a:buFont typeface="Arial" panose="02080604020202020204" pitchFamily="34" charset="0"/>
+              <a:buChar char="•"/>
+            </a:pPr>
+            <a:r>
+              <a:rPr lang="zh-CN" altLang="en-US" sz="3200">
+                <a:sym typeface="+mn-ea"/>
+              </a:rPr>
+              <a:t>对上周采集的信息的整理</a:t>
+            </a:r>
+            <a:r>
+              <a:rPr lang="en-US" altLang="zh-CN" sz="3200">
+                <a:sym typeface="+mn-ea"/>
+              </a:rPr>
+              <a:t> </a:t>
+            </a:r>
+            <a:endParaRPr lang="en-US" altLang="zh-CN" sz="3200">
+              <a:sym typeface="+mn-ea"/>
+            </a:endParaRPr>
+          </a:p>
+          <a:p>
+            <a:pPr lvl="0" algn="l">
+              <a:lnSpc>
+                <a:spcPct val="90000"/>
+              </a:lnSpc>
+              <a:spcBef>
+                <a:spcPts val="1000"/>
+              </a:spcBef>
+              <a:buClrTx/>
+              <a:buSzTx/>
+              <a:buFont typeface="Arial" panose="02080604020202020204" pitchFamily="34" charset="0"/>
+              <a:buChar char="•"/>
+            </a:pPr>
+            <a:r>
+              <a:rPr lang="zh-CN" altLang="en-US" sz="3200">
+                <a:sym typeface="+mn-ea"/>
+              </a:rPr>
+              <a:t>以及各类</a:t>
+            </a:r>
+            <a:r>
+              <a:rPr lang="en-US" altLang="zh-CN" sz="3200">
+                <a:sym typeface="+mn-ea"/>
+              </a:rPr>
+              <a:t>json</a:t>
+            </a:r>
+            <a:r>
+              <a:rPr lang="zh-CN" altLang="en-US" sz="3200">
+                <a:sym typeface="+mn-ea"/>
+              </a:rPr>
+              <a:t>文件的读取</a:t>
+            </a:r>
+            <a:endParaRPr lang="zh-CN" altLang="en-US" sz="3200">
+              <a:sym typeface="+mn-ea"/>
+            </a:endParaRPr>
+          </a:p>
+          <a:p>
+            <a:pPr marL="0" indent="0"/>
+            <a:endParaRPr lang="zh-CN" altLang="en-US"/>
+          </a:p>
+          <a:p>
+            <a:pPr marL="0" indent="0"/>
+            <a:endParaRPr lang="zh-CN" altLang="en-US"/>
+          </a:p>
+          <a:p>
+            <a:pPr marL="0" indent="0">
+              <a:buNone/>
+            </a:pPr>
+            <a:endParaRPr lang="zh-CN" altLang="en-US"/>
+          </a:p>
+        </p:txBody>
+      </p:sp>
+      <p:sp>
+        <p:nvSpPr>
+          <p:cNvPr id="4" name="文本框 3"/>
+          <p:cNvSpPr txBox="1"/>
+          <p:nvPr/>
+        </p:nvSpPr>
+        <p:spPr>
+          <a:xfrm>
+            <a:off x="917575" y="3592195"/>
+            <a:ext cx="2976880" cy="768350"/>
+          </a:xfrm>
+          <a:prstGeom prst="rect">
+            <a:avLst/>
+          </a:prstGeom>
+          <a:noFill/>
+        </p:spPr>
+        <p:txBody>
+          <a:bodyPr wrap="none" rtlCol="0">
+            <a:spAutoFit/>
+          </a:bodyPr>
+          <a:p>
+            <a:r>
+              <a:rPr lang="zh-CN" altLang="en-US" sz="4400">
+                <a:latin typeface="+mj-lt"/>
+                <a:ea typeface="+mj-ea"/>
+                <a:cs typeface="+mj-cs"/>
+              </a:rPr>
+              <a:t>这周完成了</a:t>
+            </a:r>
+            <a:endParaRPr lang="zh-CN" altLang="en-US" sz="4400">
+              <a:latin typeface="+mj-lt"/>
+              <a:ea typeface="+mj-ea"/>
+              <a:cs typeface="+mj-cs"/>
+            </a:endParaRPr>
+          </a:p>
+        </p:txBody>
+      </p:sp>
+      <p:sp>
+        <p:nvSpPr>
+          <p:cNvPr id="5" name="文本框 4"/>
+          <p:cNvSpPr txBox="1"/>
+          <p:nvPr/>
+        </p:nvSpPr>
+        <p:spPr>
+          <a:xfrm>
+            <a:off x="917575" y="4683125"/>
+            <a:ext cx="10134600" cy="478155"/>
+          </a:xfrm>
+          <a:prstGeom prst="rect">
+            <a:avLst/>
+          </a:prstGeom>
+          <a:noFill/>
+        </p:spPr>
+        <p:txBody>
+          <a:bodyPr wrap="square" rtlCol="0">
+            <a:spAutoFit/>
+          </a:bodyPr>
+          <a:p>
+            <a:pPr lvl="0" algn="l">
+              <a:lnSpc>
+                <a:spcPct val="90000"/>
+              </a:lnSpc>
+              <a:spcBef>
+                <a:spcPts val="1000"/>
+              </a:spcBef>
+              <a:buClrTx/>
+              <a:buSzTx/>
+              <a:buFont typeface="Arial" panose="02080604020202020204" pitchFamily="34" charset="0"/>
+              <a:buChar char="•"/>
+            </a:pPr>
+            <a:endParaRPr lang="zh-CN" altLang="en-US" sz="2800">
+              <a:sym typeface="+mn-ea"/>
+            </a:endParaRPr>
+          </a:p>
+        </p:txBody>
+      </p:sp>
+    </p:spTree>
+  </p:cSld>
+  <p:clrMapOvr>
+    <a:masterClrMapping/>
+  </p:clrMapOvr>
+  <p:timing>
+    <p:tnLst>
+      <p:par>
+        <p:cTn id="1" dur="indefinite" restart="never" nodeType="tmRoot">
+          <p:childTnLst>
+            <p:seq concurrent="1" nextAc="seek">
+              <p:cTn id="2" dur="indefinite" nodeType="mainSeq">
+                <p:childTnLst>
+                  <p:par>
+                    <p:cTn id="3" fill="hold">
+                      <p:stCondLst>
+                        <p:cond delay="indefinite"/>
+                      </p:stCondLst>
+                      <p:childTnLst>
+                        <p:par>
+                          <p:cTn id="4" fill="hold">
+                            <p:stCondLst>
+                              <p:cond delay="0"/>
+                            </p:stCondLst>
+                            <p:childTnLst>
+                              <p:par>
+                                <p:cTn id="5" presetID="1" presetClass="entr" presetSubtype="0" fill="hold" grpId="0" nodeType="clickEffect">
+                                  <p:stCondLst>
+                                    <p:cond delay="0"/>
+                                  </p:stCondLst>
+                                  <p:childTnLst>
+                                    <p:set>
+                                      <p:cBhvr>
+                                        <p:cTn id="6" dur="1" fill="hold">
+                                          <p:stCondLst>
+                                            <p:cond delay="0"/>
+                                          </p:stCondLst>
+                                        </p:cTn>
+                                        <p:tgtEl>
+                                          <p:spTgt spid="3">
+                                            <p:txEl>
+                                              <p:pRg st="0" end="0"/>
+                                            </p:txEl>
+                                          </p:spTgt>
+                                        </p:tgtEl>
+                                        <p:attrNameLst>
+                                          <p:attrName>style.visibility</p:attrName>
+                                        </p:attrNameLst>
+                                      </p:cBhvr>
+                                      <p:to>
+                                        <p:strVal val="visible"/>
+                                      </p:to>
+                                    </p:set>
+                                  </p:childTnLst>
+                                </p:cTn>
+                              </p:par>
+                            </p:childTnLst>
+                          </p:cTn>
+                        </p:par>
+                      </p:childTnLst>
+                    </p:cTn>
+                  </p:par>
+                  <p:par>
+                    <p:cTn id="7" fill="hold">
+                      <p:stCondLst>
+                        <p:cond delay="indefinite"/>
+                      </p:stCondLst>
+                      <p:childTnLst>
+                        <p:par>
+                          <p:cTn id="8" fill="hold">
+                            <p:stCondLst>
+                              <p:cond delay="0"/>
+                            </p:stCondLst>
+                            <p:childTnLst>
+                              <p:par>
+                                <p:cTn id="9" presetID="1" presetClass="entr" presetSubtype="0" fill="hold" grpId="0" nodeType="clickEffect">
+                                  <p:stCondLst>
+                                    <p:cond delay="0"/>
+                                  </p:stCondLst>
+                                  <p:childTnLst>
+                                    <p:set>
+                                      <p:cBhvr>
+                                        <p:cTn id="10" dur="1" fill="hold">
+                                          <p:stCondLst>
+                                            <p:cond delay="0"/>
+                                          </p:stCondLst>
+                                        </p:cTn>
+                                        <p:tgtEl>
+                                          <p:spTgt spid="3">
+                                            <p:txEl>
+                                              <p:pRg st="1" end="1"/>
+                                            </p:txEl>
+                                          </p:spTgt>
+                                        </p:tgtEl>
+                                        <p:attrNameLst>
+                                          <p:attrName>style.visibility</p:attrName>
+                                        </p:attrNameLst>
+                                      </p:cBhvr>
+                                      <p:to>
+                                        <p:strVal val="visible"/>
+                                      </p:to>
+                                    </p:set>
+                                  </p:childTnLst>
+                                </p:cTn>
+                              </p:par>
+                            </p:childTnLst>
+                          </p:cTn>
+                        </p:par>
+                      </p:childTnLst>
+                    </p:cTn>
+                  </p:par>
+                  <p:par>
+                    <p:cTn id="11" fill="hold">
+                      <p:stCondLst>
+                        <p:cond delay="indefinite"/>
+                      </p:stCondLst>
+                      <p:childTnLst>
+                        <p:par>
+                          <p:cTn id="12" fill="hold">
+                            <p:stCondLst>
+                              <p:cond delay="0"/>
+                            </p:stCondLst>
+                            <p:childTnLst>
+                              <p:par>
+                                <p:cTn id="13" presetID="1" presetClass="entr" presetSubtype="0" fill="hold" grpId="0" nodeType="clickEffect">
+                                  <p:stCondLst>
+                                    <p:cond delay="0"/>
+                                  </p:stCondLst>
+                                  <p:childTnLst>
+                                    <p:set>
+                                      <p:cBhvr>
+                                        <p:cTn id="14" dur="1" fill="hold">
+                                          <p:stCondLst>
+                                            <p:cond delay="0"/>
+                                          </p:stCondLst>
+                                        </p:cTn>
+                                        <p:tgtEl>
+                                          <p:spTgt spid="4"/>
+                                        </p:tgtEl>
+                                        <p:attrNameLst>
+                                          <p:attrName>style.visibility</p:attrName>
+                                        </p:attrNameLst>
+                                      </p:cBhvr>
+                                      <p:to>
+                                        <p:strVal val="visible"/>
+                                      </p:to>
+                                    </p:set>
+                                  </p:childTnLst>
+                                </p:cTn>
+                              </p:par>
+                            </p:childTnLst>
+                          </p:cTn>
+                        </p:par>
+                      </p:childTnLst>
+                    </p:cTn>
+                  </p:par>
+                  <p:par>
+                    <p:cTn id="15" fill="hold">
+                      <p:stCondLst>
+                        <p:cond delay="indefinite"/>
+                      </p:stCondLst>
+                      <p:childTnLst>
+                        <p:par>
+                          <p:cTn id="16" fill="hold">
+                            <p:stCondLst>
+                              <p:cond delay="0"/>
+                            </p:stCondLst>
+                            <p:childTnLst>
+                              <p:par>
+                                <p:cTn id="17" presetID="1" presetClass="entr" presetSubtype="0" fill="hold" grpId="0" nodeType="clickEffect">
+                                  <p:stCondLst>
+                                    <p:cond delay="0"/>
+                                  </p:stCondLst>
+                                  <p:childTnLst>
+                                    <p:set>
+                                      <p:cBhvr>
+                                        <p:cTn id="18" dur="1" fill="hold">
+                                          <p:stCondLst>
+                                            <p:cond delay="0"/>
+                                          </p:stCondLst>
+                                        </p:cTn>
+                                        <p:tgtEl>
+                                          <p:spTgt spid="3">
+                                            <p:txEl>
+                                              <p:pRg st="5" end="5"/>
+                                            </p:txEl>
+                                          </p:spTgt>
+                                        </p:tgtEl>
+                                        <p:attrNameLst>
+                                          <p:attrName>style.visibility</p:attrName>
+                                        </p:attrNameLst>
+                                      </p:cBhvr>
+                                      <p:to>
+                                        <p:strVal val="visible"/>
+                                      </p:to>
+                                    </p:set>
+                                  </p:childTnLst>
+                                </p:cTn>
+                              </p:par>
+                            </p:childTnLst>
+                          </p:cTn>
+                        </p:par>
+                      </p:childTnLst>
+                    </p:cTn>
+                  </p:par>
+                  <p:par>
+                    <p:cTn id="19" fill="hold">
+                      <p:stCondLst>
+                        <p:cond delay="indefinite"/>
+                      </p:stCondLst>
+                      <p:childTnLst>
+                        <p:par>
+                          <p:cTn id="20" fill="hold">
+                            <p:stCondLst>
+                              <p:cond delay="0"/>
+                            </p:stCondLst>
+                            <p:childTnLst>
+                              <p:par>
+                                <p:cTn id="21" presetID="1" presetClass="entr" presetSubtype="0" fill="hold" grpId="0" nodeType="clickEffect">
+                                  <p:stCondLst>
+                                    <p:cond delay="0"/>
+                                  </p:stCondLst>
+                                  <p:childTnLst>
+                                    <p:set>
+                                      <p:cBhvr>
+                                        <p:cTn id="22" dur="1" fill="hold">
+                                          <p:stCondLst>
+                                            <p:cond delay="0"/>
+                                          </p:stCondLst>
+                                        </p:cTn>
+                                        <p:tgtEl>
+                                          <p:spTgt spid="3">
+                                            <p:txEl>
+                                              <p:pRg st="6" end="6"/>
+                                            </p:txEl>
+                                          </p:spTgt>
+                                        </p:tgtEl>
+                                        <p:attrNameLst>
+                                          <p:attrName>style.visibility</p:attrName>
+                                        </p:attrNameLst>
+                                      </p:cBhvr>
+                                      <p:to>
+                                        <p:strVal val="visible"/>
+                                      </p:to>
+                                    </p:set>
+                                  </p:childTnLst>
+                                </p:cTn>
+                              </p:par>
+                            </p:childTnLst>
+                          </p:cTn>
+                        </p:par>
+                      </p:childTnLst>
+                    </p:cTn>
+                  </p:par>
+                  <p:par>
+                    <p:cTn id="23" fill="hold">
+                      <p:stCondLst>
+                        <p:cond delay="indefinite"/>
+                      </p:stCondLst>
+                      <p:childTnLst>
+                        <p:par>
+                          <p:cTn id="24" fill="hold">
+                            <p:stCondLst>
+                              <p:cond delay="0"/>
+                            </p:stCondLst>
+                            <p:childTnLst>
+                              <p:par>
+                                <p:cTn id="25" presetID="1" presetClass="entr" presetSubtype="0" fill="hold" grpId="0" nodeType="clickEffect">
+                                  <p:stCondLst>
+                                    <p:cond delay="0"/>
+                                  </p:stCondLst>
+                                  <p:childTnLst>
+                                    <p:set>
+                                      <p:cBhvr>
+                                        <p:cTn id="26" dur="1" fill="hold">
+                                          <p:stCondLst>
+                                            <p:cond delay="0"/>
+                                          </p:stCondLst>
+                                        </p:cTn>
+                                        <p:tgtEl>
+                                          <p:spTgt spid="3">
+                                            <p:txEl>
+                                              <p:pRg st="7" end="7"/>
+                                            </p:txEl>
+                                          </p:spTgt>
+                                        </p:tgtEl>
+                                        <p:attrNameLst>
+                                          <p:attrName>style.visibility</p:attrName>
+                                        </p:attrNameLst>
+                                      </p:cBhvr>
+                                      <p:to>
+                                        <p:strVal val="visible"/>
+                                      </p:to>
+                                    </p:set>
+                                  </p:childTnLst>
+                                </p:cTn>
+                              </p:par>
+                            </p:childTnLst>
+                          </p:cTn>
+                        </p:par>
+                      </p:childTnLst>
+                    </p:cTn>
+                  </p:par>
+                </p:childTnLst>
+              </p:cTn>
+              <p:prevCondLst>
+                <p:cond evt="onPrev" delay="0">
+                  <p:tgtEl>
+                    <p:sldTgt/>
+                  </p:tgtEl>
+                </p:cond>
+              </p:prevCondLst>
+              <p:nextCondLst>
+                <p:cond evt="onNext" delay="0">
+                  <p:tgtEl>
+                    <p:sldTgt/>
+                  </p:tgtEl>
+                </p:cond>
+              </p:nextCondLst>
+            </p:seq>
+          </p:childTnLst>
+        </p:cTn>
+      </p:par>
+    </p:tnLst>
+    <p:bldLst>
+      <p:bldP spid="3" grpId="0" uiExpand="1" build="p"/>
+      <p:bldP spid="3" grpId="1" build="p"/>
+      <p:bldP spid="4" grpId="0"/>
+      <p:bldP spid="4" grpId="1"/>
+      <p:bldP spid="5" grpId="1"/>
+    </p:bldLst>
+  </p:timing>
+</p:sld>
+</file>
+
+<file path=ppt/slides/slide24.xml><?xml version="1.0" encoding="utf-8"?>
+<p:sld xmlns:a="http://schemas.openxmlformats.org/drawingml/2006/main" xmlns:r="http://schemas.openxmlformats.org/officeDocument/2006/relationships" xmlns:p="http://schemas.openxmlformats.org/presentationml/2006/main">
+  <p:cSld>
+    <p:spTree>
+      <p:nvGrpSpPr>
+        <p:cNvPr id="1" name=""/>
+        <p:cNvGrpSpPr/>
+        <p:nvPr/>
+      </p:nvGrpSpPr>
+      <p:grpSpPr/>
+      <p:sp>
+        <p:nvSpPr>
+          <p:cNvPr id="2" name="标题 1"/>
+          <p:cNvSpPr>
+            <a:spLocks noGrp="1"/>
+          </p:cNvSpPr>
+          <p:nvPr>
+            <p:ph type="title"/>
+          </p:nvPr>
+        </p:nvSpPr>
+        <p:spPr/>
+        <p:txBody>
+          <a:bodyPr/>
+          <a:p>
+            <a:r>
+              <a:rPr lang="en-US" altLang="zh-CN"/>
+              <a:t>DataExtracter</a:t>
+            </a:r>
+            <a:endParaRPr lang="en-US" altLang="zh-CN"/>
+          </a:p>
+        </p:txBody>
+      </p:sp>
+      <p:pic>
+        <p:nvPicPr>
+          <p:cNvPr id="4" name="内容占位符 3"/>
+          <p:cNvPicPr>
+            <a:picLocks noChangeAspect="1"/>
+          </p:cNvPicPr>
+          <p:nvPr>
+            <p:ph idx="1"/>
+          </p:nvPr>
+        </p:nvPicPr>
+        <p:blipFill>
+          <a:blip r:embed="rId1"/>
+          <a:stretch>
+            <a:fillRect/>
+          </a:stretch>
+        </p:blipFill>
+        <p:spPr>
+          <a:xfrm>
+            <a:off x="395605" y="2035175"/>
+            <a:ext cx="11400155" cy="3750310"/>
+          </a:xfrm>
+          <a:prstGeom prst="rect">
+            <a:avLst/>
+          </a:prstGeom>
+        </p:spPr>
+      </p:pic>
+    </p:spTree>
+  </p:cSld>
+  <p:clrMapOvr>
+    <a:masterClrMapping/>
+  </p:clrMapOvr>
+  <p:timing>
+    <p:tnLst>
+      <p:par>
+        <p:cTn id="1" dur="indefinite" restart="never" nodeType="tmRoot">
+          <p:childTnLst>
+            <p:seq concurrent="1" nextAc="seek">
+              <p:cTn id="2" dur="indefinite" nodeType="mainSeq">
+                <p:childTnLst>
+                  <p:par>
+                    <p:cTn id="3" fill="hold">
+                      <p:stCondLst>
+                        <p:cond delay="indefinite"/>
+                      </p:stCondLst>
+                      <p:childTnLst>
+                        <p:par>
+                          <p:cTn id="4" fill="hold">
+                            <p:stCondLst>
+                              <p:cond delay="0"/>
+                            </p:stCondLst>
+                            <p:childTnLst>
+                              <p:par>
+                                <p:cTn id="5" presetID="1" presetClass="entr" presetSubtype="0" fill="hold" nodeType="clickEffect">
+                                  <p:stCondLst>
+                                    <p:cond delay="0"/>
+                                  </p:stCondLst>
+                                  <p:childTnLst>
+                                    <p:set>
+                                      <p:cBhvr>
+                                        <p:cTn id="6" dur="1" fill="hold">
+                                          <p:stCondLst>
+                                            <p:cond delay="0"/>
+                                          </p:stCondLst>
+                                        </p:cTn>
+                                        <p:tgtEl>
+                                          <p:spTgt spid="4"/>
+                                        </p:tgtEl>
+                                        <p:attrNameLst>
+                                          <p:attrName>style.visibility</p:attrName>
+                                        </p:attrNameLst>
+                                      </p:cBhvr>
+                                      <p:to>
+                                        <p:strVal val="visible"/>
+                                      </p:to>
+                                    </p:set>
+                                  </p:childTnLst>
+                                </p:cTn>
+                              </p:par>
+                            </p:childTnLst>
+                          </p:cTn>
+                        </p:par>
+                      </p:childTnLst>
+                    </p:cTn>
+                  </p:par>
+                </p:childTnLst>
+              </p:cTn>
+              <p:prevCondLst>
+                <p:cond evt="onPrev" delay="0">
+                  <p:tgtEl>
+                    <p:sldTgt/>
+                  </p:tgtEl>
+                </p:cond>
+              </p:prevCondLst>
+              <p:nextCondLst>
+                <p:cond evt="onNext" delay="0">
+                  <p:tgtEl>
+                    <p:sldTgt/>
+                  </p:tgtEl>
+                </p:cond>
+              </p:nextCondLst>
+            </p:seq>
+          </p:childTnLst>
+        </p:cTn>
+      </p:par>
+    </p:tnLst>
+  </p:timing>
+</p:sld>
+</file>
+
+<file path=ppt/slides/slide25.xml><?xml version="1.0" encoding="utf-8"?>
+<p:sld xmlns:a="http://schemas.openxmlformats.org/drawingml/2006/main" xmlns:r="http://schemas.openxmlformats.org/officeDocument/2006/relationships" xmlns:p="http://schemas.openxmlformats.org/presentationml/2006/main">
+  <p:cSld>
+    <p:spTree>
+      <p:nvGrpSpPr>
+        <p:cNvPr id="1" name=""/>
+        <p:cNvGrpSpPr/>
+        <p:nvPr/>
+      </p:nvGrpSpPr>
+      <p:grpSpPr/>
+      <p:pic>
+        <p:nvPicPr>
+          <p:cNvPr id="6" name="图片 5"/>
+          <p:cNvPicPr>
+            <a:picLocks noChangeAspect="1"/>
+          </p:cNvPicPr>
+          <p:nvPr/>
+        </p:nvPicPr>
+        <p:blipFill>
+          <a:blip r:embed="rId1"/>
+          <a:srcRect b="-10748"/>
+          <a:stretch>
+            <a:fillRect/>
+          </a:stretch>
+        </p:blipFill>
+        <p:spPr>
+          <a:xfrm>
+            <a:off x="1523365" y="1593215"/>
+            <a:ext cx="8590915" cy="5080000"/>
+          </a:xfrm>
+          <a:prstGeom prst="rect">
+            <a:avLst/>
+          </a:prstGeom>
+        </p:spPr>
+      </p:pic>
+      <p:sp>
+        <p:nvSpPr>
+          <p:cNvPr id="2" name="标题 1"/>
+          <p:cNvSpPr>
+            <a:spLocks noGrp="1"/>
+          </p:cNvSpPr>
+          <p:nvPr>
+            <p:ph type="title"/>
+          </p:nvPr>
+        </p:nvSpPr>
+        <p:spPr/>
+        <p:txBody>
+          <a:bodyPr/>
+          <a:p>
+            <a:r>
+              <a:rPr lang="zh-CN" altLang="en-US"/>
+              <a:t>数据整理的结果</a:t>
+            </a:r>
+            <a:endParaRPr lang="zh-CN" altLang="en-US"/>
+          </a:p>
+        </p:txBody>
+      </p:sp>
+      <p:pic>
+        <p:nvPicPr>
+          <p:cNvPr id="5" name="内容占位符 4"/>
+          <p:cNvPicPr>
+            <a:picLocks noChangeAspect="1"/>
+          </p:cNvPicPr>
+          <p:nvPr>
+            <p:ph idx="1"/>
+          </p:nvPr>
+        </p:nvPicPr>
+        <p:blipFill>
+          <a:blip r:embed="rId2"/>
+          <a:stretch>
+            <a:fillRect/>
+          </a:stretch>
+        </p:blipFill>
+        <p:spPr>
+          <a:xfrm>
+            <a:off x="1189355" y="1593215"/>
+            <a:ext cx="9813290" cy="4815840"/>
+          </a:xfrm>
+          <a:prstGeom prst="rect">
+            <a:avLst/>
+          </a:prstGeom>
+        </p:spPr>
+      </p:pic>
+    </p:spTree>
+  </p:cSld>
+  <p:clrMapOvr>
+    <a:masterClrMapping/>
+  </p:clrMapOvr>
+  <p:timing>
+    <p:tnLst>
+      <p:par>
+        <p:cTn id="1" dur="indefinite" restart="never" nodeType="tmRoot">
+          <p:childTnLst>
+            <p:seq concurrent="1" nextAc="seek">
+              <p:cTn id="2" dur="indefinite" nodeType="mainSeq">
+                <p:childTnLst>
+                  <p:par>
+                    <p:cTn id="3" fill="hold">
+                      <p:stCondLst>
+                        <p:cond delay="indefinite"/>
+                      </p:stCondLst>
+                      <p:childTnLst>
+                        <p:par>
+                          <p:cTn id="4" fill="hold">
+                            <p:stCondLst>
+                              <p:cond delay="0"/>
+                            </p:stCondLst>
+                            <p:childTnLst>
+                              <p:par>
+                                <p:cTn id="5" presetID="1" presetClass="entr" presetSubtype="0" fill="hold" nodeType="clickEffect">
+                                  <p:stCondLst>
+                                    <p:cond delay="0"/>
+                                  </p:stCondLst>
+                                  <p:childTnLst>
+                                    <p:set>
+                                      <p:cBhvr>
+                                        <p:cTn id="6" dur="1" fill="hold">
+                                          <p:stCondLst>
+                                            <p:cond delay="0"/>
+                                          </p:stCondLst>
+                                        </p:cTn>
+                                        <p:tgtEl>
+                                          <p:spTgt spid="6"/>
+                                        </p:tgtEl>
+                                        <p:attrNameLst>
+                                          <p:attrName>style.visibility</p:attrName>
+                                        </p:attrNameLst>
+                                      </p:cBhvr>
+                                      <p:to>
+                                        <p:strVal val="visible"/>
+                                      </p:to>
+                                    </p:set>
+                                  </p:childTnLst>
+                                </p:cTn>
+                              </p:par>
+                            </p:childTnLst>
+                          </p:cTn>
+                        </p:par>
+                      </p:childTnLst>
+                    </p:cTn>
+                  </p:par>
+                  <p:par>
+                    <p:cTn id="7" fill="hold">
+                      <p:stCondLst>
+                        <p:cond delay="indefinite"/>
+                      </p:stCondLst>
+                      <p:childTnLst>
+                        <p:par>
+                          <p:cTn id="8" fill="hold">
+                            <p:stCondLst>
+                              <p:cond delay="0"/>
+                            </p:stCondLst>
+                            <p:childTnLst>
+                              <p:par>
+                                <p:cTn id="9" presetID="1" presetClass="entr" presetSubtype="0" fill="hold" nodeType="clickEffect">
+                                  <p:stCondLst>
+                                    <p:cond delay="0"/>
+                                  </p:stCondLst>
+                                  <p:childTnLst>
+                                    <p:set>
+                                      <p:cBhvr>
+                                        <p:cTn id="10" dur="1" fill="hold">
+                                          <p:stCondLst>
+                                            <p:cond delay="0"/>
+                                          </p:stCondLst>
+                                        </p:cTn>
+                                        <p:tgtEl>
+                                          <p:spTgt spid="5"/>
+                                        </p:tgtEl>
+                                        <p:attrNameLst>
+                                          <p:attrName>style.visibility</p:attrName>
+                                        </p:attrNameLst>
+                                      </p:cBhvr>
+                                      <p:to>
+                                        <p:strVal val="visible"/>
+                                      </p:to>
+                                    </p:set>
+                                  </p:childTnLst>
+                                </p:cTn>
+                              </p:par>
+                            </p:childTnLst>
+                          </p:cTn>
+                        </p:par>
+                      </p:childTnLst>
+                    </p:cTn>
+                  </p:par>
+                </p:childTnLst>
+              </p:cTn>
+              <p:prevCondLst>
+                <p:cond evt="onPrev" delay="0">
+                  <p:tgtEl>
+                    <p:sldTgt/>
+                  </p:tgtEl>
+                </p:cond>
+              </p:prevCondLst>
+              <p:nextCondLst>
+                <p:cond evt="onNext" delay="0">
+                  <p:tgtEl>
+                    <p:sldTgt/>
+                  </p:tgtEl>
+                </p:cond>
+              </p:nextCondLst>
+            </p:seq>
+          </p:childTnLst>
+        </p:cTn>
+      </p:par>
+    </p:tnLst>
+  </p:timing>
+</p:sld>
+</file>
+
+<file path=ppt/slides/slide26.xml><?xml version="1.0" encoding="utf-8"?>
+<p:sld xmlns:a="http://schemas.openxmlformats.org/drawingml/2006/main" xmlns:r="http://schemas.openxmlformats.org/officeDocument/2006/relationships" xmlns:p="http://schemas.openxmlformats.org/presentationml/2006/main">
+  <p:cSld>
+    <p:spTree>
+      <p:nvGrpSpPr>
+        <p:cNvPr id="1" name=""/>
+        <p:cNvGrpSpPr/>
+        <p:nvPr/>
+      </p:nvGrpSpPr>
+      <p:grpSpPr/>
+      <p:sp>
+        <p:nvSpPr>
+          <p:cNvPr id="2" name="标题 1"/>
+          <p:cNvSpPr>
+            <a:spLocks noGrp="1"/>
+          </p:cNvSpPr>
+          <p:nvPr>
+            <p:ph type="title"/>
+          </p:nvPr>
+        </p:nvSpPr>
+        <p:spPr/>
+        <p:txBody>
+          <a:bodyPr/>
+          <a:p>
+            <a:r>
+              <a:rPr lang="zh-CN" altLang="en-US"/>
+              <a:t>问题</a:t>
+            </a:r>
+            <a:endParaRPr lang="zh-CN" altLang="en-US"/>
+          </a:p>
+        </p:txBody>
+      </p:sp>
+      <p:sp>
+        <p:nvSpPr>
+          <p:cNvPr id="3" name="内容占位符 2"/>
+          <p:cNvSpPr>
+            <a:spLocks noGrp="1"/>
+          </p:cNvSpPr>
+          <p:nvPr>
+            <p:ph idx="1"/>
+          </p:nvPr>
+        </p:nvSpPr>
+        <p:spPr/>
+        <p:txBody>
+          <a:bodyPr/>
+          <a:p>
+            <a:pPr marL="0" indent="0">
+              <a:buNone/>
+            </a:pPr>
+            <a:r>
+              <a:rPr lang="en-US" altLang="zh-CN"/>
+              <a:t>DataExtracter </a:t>
+            </a:r>
+            <a:r>
+              <a:rPr lang="zh-CN" altLang="en-US"/>
+              <a:t>目前对于</a:t>
+            </a:r>
+            <a:r>
+              <a:rPr lang="en-US" altLang="zh-CN"/>
+              <a:t>dag </a:t>
+            </a:r>
+            <a:r>
+              <a:rPr lang="zh-CN" altLang="en-US"/>
+              <a:t>的存储还是</a:t>
+            </a:r>
+            <a:r>
+              <a:rPr lang="en-US" altLang="zh-CN"/>
+              <a:t>std::string </a:t>
+            </a:r>
+            <a:endParaRPr lang="en-US" altLang="zh-CN"/>
+          </a:p>
+          <a:p>
+            <a:pPr marL="0" indent="0">
+              <a:buNone/>
+            </a:pPr>
+            <a:r>
+              <a:rPr lang="en-US" altLang="zh-CN"/>
+              <a:t>  </a:t>
+            </a:r>
+            <a:r>
+              <a:rPr lang="zh-CN" altLang="en-US"/>
+              <a:t>类似</a:t>
+            </a:r>
+            <a:r>
+              <a:rPr lang="en-US" altLang="zh-CN"/>
+              <a:t> [["tdg", ["Q2"],["Q2"]],["tdg", ["Q2"],["Q2"]]</a:t>
+            </a:r>
+            <a:endParaRPr lang="en-US" altLang="zh-CN"/>
+          </a:p>
+          <a:p>
+            <a:pPr marL="0" indent="0">
+              <a:buNone/>
+            </a:pPr>
+            <a:r>
+              <a:rPr lang="en-US" altLang="zh-CN"/>
+              <a:t>  </a:t>
+            </a:r>
+            <a:r>
+              <a:rPr lang="zh-CN" altLang="en-US"/>
+              <a:t>原因：还没有想好模式应该怎么定义</a:t>
+            </a:r>
+            <a:endParaRPr lang="zh-CN" altLang="en-US"/>
+          </a:p>
+          <a:p>
+            <a:endParaRPr lang="en-US" altLang="zh-CN"/>
+          </a:p>
+          <a:p>
+            <a:pPr marL="0" indent="0">
+              <a:buNone/>
+            </a:pPr>
+            <a:r>
+              <a:rPr lang="zh-CN" altLang="en-US"/>
+              <a:t>首先需要解决：</a:t>
+            </a:r>
+            <a:endParaRPr lang="en-US" altLang="zh-CN"/>
+          </a:p>
+          <a:p>
+            <a:pPr marL="0" indent="0">
+              <a:buNone/>
+            </a:pPr>
+            <a:r>
+              <a:rPr lang="en-US" altLang="zh-CN"/>
+              <a:t>  </a:t>
+            </a:r>
+            <a:r>
+              <a:rPr lang="zh-CN" altLang="en-US"/>
+              <a:t>和</a:t>
+            </a:r>
+            <a:r>
+              <a:rPr lang="en-US" altLang="zh-CN"/>
+              <a:t>QCIR</a:t>
+            </a:r>
+            <a:r>
+              <a:rPr lang="zh-CN" altLang="en-US"/>
+              <a:t>接轨</a:t>
+            </a:r>
+            <a:endParaRPr lang="zh-CN" altLang="en-US"/>
+          </a:p>
+          <a:p>
+            <a:pPr marL="0" indent="0">
+              <a:buNone/>
+            </a:pPr>
+            <a:r>
+              <a:rPr lang="en-US" altLang="zh-CN"/>
+              <a:t>  or </a:t>
+            </a:r>
+            <a:r>
+              <a:rPr lang="zh-CN" altLang="en-US"/>
+              <a:t>自己定义模式并实现后续的优化</a:t>
+            </a:r>
+            <a:r>
+              <a:rPr lang="en-US" altLang="zh-CN"/>
+              <a:t>?</a:t>
+            </a:r>
+            <a:endParaRPr lang="en-US" altLang="zh-CN"/>
+          </a:p>
+        </p:txBody>
+      </p:sp>
+    </p:spTree>
+  </p:cSld>
+  <p:clrMapOvr>
+    <a:masterClrMapping/>
+  </p:clrMapOvr>
+  <p:timing>
+    <p:tnLst>
+      <p:par>
+        <p:cTn id="1" dur="indefinite" restart="never" nodeType="tmRoot">
+          <p:childTnLst>
+            <p:seq concurrent="1" nextAc="seek">
+              <p:cTn id="2" dur="indefinite" nodeType="mainSeq">
+                <p:childTnLst>
+                  <p:par>
+                    <p:cTn id="3" fill="hold">
+                      <p:stCondLst>
+                        <p:cond delay="indefinite"/>
+                      </p:stCondLst>
+                      <p:childTnLst>
+                        <p:par>
+                          <p:cTn id="4" fill="hold">
+                            <p:stCondLst>
+                              <p:cond delay="0"/>
+                            </p:stCondLst>
+                            <p:childTnLst>
+                              <p:par>
+                                <p:cTn id="5" presetID="1" presetClass="entr" presetSubtype="0" fill="hold" grpId="0" nodeType="clickEffect">
+                                  <p:stCondLst>
+                                    <p:cond delay="0"/>
+                                  </p:stCondLst>
+                                  <p:childTnLst>
+                                    <p:set>
+                                      <p:cBhvr>
+                                        <p:cTn id="6" dur="1" fill="hold">
+                                          <p:stCondLst>
+                                            <p:cond delay="0"/>
+                                          </p:stCondLst>
+                                        </p:cTn>
+                                        <p:tgtEl>
+                                          <p:spTgt spid="3">
+                                            <p:txEl>
+                                              <p:pRg st="0" end="0"/>
+                                            </p:txEl>
+                                          </p:spTgt>
+                                        </p:tgtEl>
+                                        <p:attrNameLst>
+                                          <p:attrName>style.visibility</p:attrName>
+                                        </p:attrNameLst>
+                                      </p:cBhvr>
+                                      <p:to>
+                                        <p:strVal val="visible"/>
+                                      </p:to>
+                                    </p:set>
+                                  </p:childTnLst>
+                                </p:cTn>
+                              </p:par>
+                            </p:childTnLst>
+                          </p:cTn>
+                        </p:par>
+                      </p:childTnLst>
+                    </p:cTn>
+                  </p:par>
+                  <p:par>
+                    <p:cTn id="7" fill="hold">
+                      <p:stCondLst>
+                        <p:cond delay="indefinite"/>
+                      </p:stCondLst>
+                      <p:childTnLst>
+                        <p:par>
+                          <p:cTn id="8" fill="hold">
+                            <p:stCondLst>
+                              <p:cond delay="0"/>
+                            </p:stCondLst>
+                            <p:childTnLst>
+                              <p:par>
+                                <p:cTn id="9" presetID="1" presetClass="entr" presetSubtype="0" fill="hold" grpId="0" nodeType="clickEffect">
+                                  <p:stCondLst>
+                                    <p:cond delay="0"/>
+                                  </p:stCondLst>
+                                  <p:childTnLst>
+                                    <p:set>
+                                      <p:cBhvr>
+                                        <p:cTn id="10" dur="1" fill="hold">
+                                          <p:stCondLst>
+                                            <p:cond delay="0"/>
+                                          </p:stCondLst>
+                                        </p:cTn>
+                                        <p:tgtEl>
+                                          <p:spTgt spid="3">
+                                            <p:txEl>
+                                              <p:pRg st="1" end="1"/>
+                                            </p:txEl>
+                                          </p:spTgt>
+                                        </p:tgtEl>
+                                        <p:attrNameLst>
+                                          <p:attrName>style.visibility</p:attrName>
+                                        </p:attrNameLst>
+                                      </p:cBhvr>
+                                      <p:to>
+                                        <p:strVal val="visible"/>
+                                      </p:to>
+                                    </p:set>
+                                  </p:childTnLst>
+                                </p:cTn>
+                              </p:par>
+                            </p:childTnLst>
+                          </p:cTn>
+                        </p:par>
+                      </p:childTnLst>
+                    </p:cTn>
+                  </p:par>
+                  <p:par>
+                    <p:cTn id="11" fill="hold">
+                      <p:stCondLst>
+                        <p:cond delay="indefinite"/>
+                      </p:stCondLst>
+                      <p:childTnLst>
+                        <p:par>
+                          <p:cTn id="12" fill="hold">
+                            <p:stCondLst>
+                              <p:cond delay="0"/>
+                            </p:stCondLst>
+                            <p:childTnLst>
+                              <p:par>
+                                <p:cTn id="13" presetID="1" presetClass="entr" presetSubtype="0" fill="hold" grpId="0" nodeType="clickEffect">
+                                  <p:stCondLst>
+                                    <p:cond delay="0"/>
+                                  </p:stCondLst>
+                                  <p:childTnLst>
+                                    <p:set>
+                                      <p:cBhvr>
+                                        <p:cTn id="14" dur="1" fill="hold">
+                                          <p:stCondLst>
+                                            <p:cond delay="0"/>
+                                          </p:stCondLst>
+                                        </p:cTn>
+                                        <p:tgtEl>
+                                          <p:spTgt spid="3">
+                                            <p:txEl>
+                                              <p:pRg st="2" end="2"/>
+                                            </p:txEl>
+                                          </p:spTgt>
+                                        </p:tgtEl>
+                                        <p:attrNameLst>
+                                          <p:attrName>style.visibility</p:attrName>
+                                        </p:attrNameLst>
+                                      </p:cBhvr>
+                                      <p:to>
+                                        <p:strVal val="visible"/>
+                                      </p:to>
+                                    </p:set>
+                                  </p:childTnLst>
+                                </p:cTn>
+                              </p:par>
+                            </p:childTnLst>
+                          </p:cTn>
+                        </p:par>
+                      </p:childTnLst>
+                    </p:cTn>
+                  </p:par>
+                  <p:par>
+                    <p:cTn id="15" fill="hold">
+                      <p:stCondLst>
+                        <p:cond delay="indefinite"/>
+                      </p:stCondLst>
+                      <p:childTnLst>
+                        <p:par>
+                          <p:cTn id="16" fill="hold">
+                            <p:stCondLst>
+                              <p:cond delay="0"/>
+                            </p:stCondLst>
+                            <p:childTnLst>
+                              <p:par>
+                                <p:cTn id="17" presetID="1" presetClass="entr" presetSubtype="0" fill="hold" grpId="0" nodeType="clickEffect">
+                                  <p:stCondLst>
+                                    <p:cond delay="0"/>
+                                  </p:stCondLst>
+                                  <p:childTnLst>
+                                    <p:set>
+                                      <p:cBhvr>
+                                        <p:cTn id="18" dur="1" fill="hold">
+                                          <p:stCondLst>
+                                            <p:cond delay="0"/>
+                                          </p:stCondLst>
+                                        </p:cTn>
+                                        <p:tgtEl>
+                                          <p:spTgt spid="3">
+                                            <p:txEl>
+                                              <p:pRg st="4" end="4"/>
+                                            </p:txEl>
+                                          </p:spTgt>
+                                        </p:tgtEl>
+                                        <p:attrNameLst>
+                                          <p:attrName>style.visibility</p:attrName>
+                                        </p:attrNameLst>
+                                      </p:cBhvr>
+                                      <p:to>
+                                        <p:strVal val="visible"/>
+                                      </p:to>
+                                    </p:set>
+                                  </p:childTnLst>
+                                </p:cTn>
+                              </p:par>
+                            </p:childTnLst>
+                          </p:cTn>
+                        </p:par>
+                      </p:childTnLst>
+                    </p:cTn>
+                  </p:par>
+                  <p:par>
+                    <p:cTn id="19" fill="hold">
+                      <p:stCondLst>
+                        <p:cond delay="indefinite"/>
+                      </p:stCondLst>
+                      <p:childTnLst>
+                        <p:par>
+                          <p:cTn id="20" fill="hold">
+                            <p:stCondLst>
+                              <p:cond delay="0"/>
+                            </p:stCondLst>
+                            <p:childTnLst>
+                              <p:par>
+                                <p:cTn id="21" presetID="1" presetClass="entr" presetSubtype="0" fill="hold" grpId="0" nodeType="clickEffect">
+                                  <p:stCondLst>
+                                    <p:cond delay="0"/>
+                                  </p:stCondLst>
+                                  <p:childTnLst>
+                                    <p:set>
+                                      <p:cBhvr>
+                                        <p:cTn id="22" dur="1" fill="hold">
+                                          <p:stCondLst>
+                                            <p:cond delay="0"/>
+                                          </p:stCondLst>
+                                        </p:cTn>
+                                        <p:tgtEl>
+                                          <p:spTgt spid="3">
+                                            <p:txEl>
+                                              <p:pRg st="5" end="5"/>
+                                            </p:txEl>
+                                          </p:spTgt>
+                                        </p:tgtEl>
+                                        <p:attrNameLst>
+                                          <p:attrName>style.visibility</p:attrName>
+                                        </p:attrNameLst>
+                                      </p:cBhvr>
+                                      <p:to>
+                                        <p:strVal val="visible"/>
+                                      </p:to>
+                                    </p:set>
+                                  </p:childTnLst>
+                                </p:cTn>
+                              </p:par>
+                            </p:childTnLst>
+                          </p:cTn>
+                        </p:par>
+                      </p:childTnLst>
+                    </p:cTn>
+                  </p:par>
+                  <p:par>
+                    <p:cTn id="23" fill="hold">
+                      <p:stCondLst>
+                        <p:cond delay="indefinite"/>
+                      </p:stCondLst>
+                      <p:childTnLst>
+                        <p:par>
+                          <p:cTn id="24" fill="hold">
+                            <p:stCondLst>
+                              <p:cond delay="0"/>
+                            </p:stCondLst>
+                            <p:childTnLst>
+                              <p:par>
+                                <p:cTn id="25" presetID="1" presetClass="entr" presetSubtype="0" fill="hold" grpId="0" nodeType="clickEffect">
+                                  <p:stCondLst>
+                                    <p:cond delay="0"/>
+                                  </p:stCondLst>
+                                  <p:childTnLst>
+                                    <p:set>
+                                      <p:cBhvr>
+                                        <p:cTn id="26" dur="1" fill="hold">
+                                          <p:stCondLst>
+                                            <p:cond delay="0"/>
+                                          </p:stCondLst>
+                                        </p:cTn>
+                                        <p:tgtEl>
+                                          <p:spTgt spid="3">
+                                            <p:txEl>
+                                              <p:pRg st="6" end="6"/>
+                                            </p:txEl>
+                                          </p:spTgt>
+                                        </p:tgtEl>
+                                        <p:attrNameLst>
+                                          <p:attrName>style.visibility</p:attrName>
+                                        </p:attrNameLst>
+                                      </p:cBhvr>
+                                      <p:to>
+                                        <p:strVal val="visible"/>
+                                      </p:to>
+                                    </p:set>
+                                  </p:childTnLst>
+                                </p:cTn>
+                              </p:par>
+                            </p:childTnLst>
+                          </p:cTn>
+                        </p:par>
+                      </p:childTnLst>
+                    </p:cTn>
+                  </p:par>
+                </p:childTnLst>
+              </p:cTn>
+              <p:prevCondLst>
+                <p:cond evt="onPrev" delay="0">
+                  <p:tgtEl>
+                    <p:sldTgt/>
+                  </p:tgtEl>
+                </p:cond>
+              </p:prevCondLst>
+              <p:nextCondLst>
+                <p:cond evt="onNext" delay="0">
+                  <p:tgtEl>
+                    <p:sldTgt/>
+                  </p:tgtEl>
+                </p:cond>
+              </p:nextCondLst>
+            </p:seq>
+          </p:childTnLst>
+        </p:cTn>
+      </p:par>
+    </p:tnLst>
+    <p:bldLst>
+      <p:bldP spid="3" grpId="0" build="p"/>
+      <p:bldP spid="3" grpId="1" build="p"/>
+    </p:bldLst>
+  </p:timing>
+</p:sld>
+</file>
+
+<file path=ppt/slides/slide27.xml><?xml version="1.0" encoding="utf-8"?>
+<p:sld xmlns:a="http://schemas.openxmlformats.org/drawingml/2006/main" xmlns:r="http://schemas.openxmlformats.org/officeDocument/2006/relationships" xmlns:p="http://schemas.openxmlformats.org/presentationml/2006/main">
+  <p:cSld>
+    <p:spTree>
+      <p:nvGrpSpPr>
+        <p:cNvPr id="1" name=""/>
+        <p:cNvGrpSpPr/>
+        <p:nvPr/>
+      </p:nvGrpSpPr>
+      <p:grpSpPr/>
+      <p:sp>
+        <p:nvSpPr>
+          <p:cNvPr id="4" name="标题 3"/>
+          <p:cNvSpPr>
+            <a:spLocks noGrp="1"/>
+          </p:cNvSpPr>
+          <p:nvPr>
+            <p:ph type="ctrTitle"/>
+          </p:nvPr>
+        </p:nvSpPr>
+        <p:spPr/>
+        <p:txBody>
+          <a:bodyPr/>
+          <a:p>
+            <a:r>
+              <a:rPr lang="en-US" altLang="zh-CN"/>
+              <a:t>Thanks for listening!</a:t>
+            </a:r>
+            <a:endParaRPr lang="en-US" altLang="zh-CN"/>
+          </a:p>
+        </p:txBody>
+      </p:sp>
+      <p:sp>
+        <p:nvSpPr>
+          <p:cNvPr id="5" name="副标题 4"/>
+          <p:cNvSpPr>
+            <a:spLocks noGrp="1"/>
+          </p:cNvSpPr>
+          <p:nvPr>
+            <p:ph type="subTitle" idx="1"/>
+          </p:nvPr>
+        </p:nvSpPr>
+        <p:spPr>
+          <a:xfrm>
+            <a:off x="1524000" y="4085273"/>
+            <a:ext cx="9144000" cy="1655762"/>
+          </a:xfrm>
+        </p:spPr>
+        <p:txBody>
+          <a:bodyPr/>
+          <a:p>
+            <a:r>
+              <a:rPr lang="en-US" altLang="zh-CN"/>
+              <a:t>Jun Li</a:t>
+            </a:r>
+            <a:endParaRPr lang="en-US" altLang="zh-CN"/>
+          </a:p>
+        </p:txBody>
+      </p:sp>
+    </p:spTree>
+  </p:cSld>
+  <p:clrMapOvr>
+    <a:masterClrMapping/>
+  </p:clrMapOvr>
+</p:sld>
+</file>
+
 <file path=ppt/slides/slide3.xml><?xml version="1.0" encoding="utf-8"?>
 <p:sld xmlns:a="http://schemas.openxmlformats.org/drawingml/2006/main" xmlns:r="http://schemas.openxmlformats.org/officeDocument/2006/relationships" xmlns:p="http://schemas.openxmlformats.org/presentationml/2006/main">
   <p:cSld>

--- a/Pattern Scheduler.pptx
+++ b/Pattern Scheduler.pptx
@@ -31,12 +31,23 @@
     <p:sldId id="297" r:id="rId26"/>
     <p:sldId id="300" r:id="rId27"/>
     <p:sldId id="301" r:id="rId28"/>
-    <p:sldId id="302" r:id="rId29"/>
+    <p:sldId id="308" r:id="rId29"/>
+    <p:sldId id="309" r:id="rId30"/>
+    <p:sldId id="310" r:id="rId31"/>
+    <p:sldId id="307" r:id="rId32"/>
+    <p:sldId id="311" r:id="rId33"/>
+    <p:sldId id="314" r:id="rId34"/>
+    <p:sldId id="315" r:id="rId35"/>
+    <p:sldId id="316" r:id="rId36"/>
+    <p:sldId id="317" r:id="rId37"/>
+    <p:sldId id="318" r:id="rId38"/>
+    <p:sldId id="319" r:id="rId39"/>
+    <p:sldId id="302" r:id="rId40"/>
   </p:sldIdLst>
   <p:sldSz cx="12192000" cy="6858000"/>
   <p:notesSz cx="6858000" cy="9144000"/>
   <p:custDataLst>
-    <p:tags r:id="rId33"/>
+    <p:tags r:id="rId44"/>
   </p:custDataLst>
   <p:defaultTextStyle>
     <a:defPPr>
@@ -11588,10 +11599,10 @@
           <a:bodyPr/>
           <a:p>
             <a:r>
-              <a:rPr lang="en-US" altLang="zh-CN"/>
-              <a:t>Thanks for listening!</a:t>
-            </a:r>
-            <a:endParaRPr lang="en-US" altLang="zh-CN"/>
+              <a:rPr lang="zh-CN" altLang="en-US"/>
+              <a:t>实现模式输出的接口</a:t>
+            </a:r>
+            <a:endParaRPr lang="zh-CN" altLang="en-US"/>
           </a:p>
         </p:txBody>
       </p:sp>
@@ -11605,18 +11616,13 @@
             <p:ph type="subTitle" idx="1"/>
           </p:nvPr>
         </p:nvSpPr>
-        <p:spPr>
-          <a:xfrm>
-            <a:off x="1524000" y="4085273"/>
-            <a:ext cx="9144000" cy="1655762"/>
-          </a:xfrm>
-        </p:spPr>
+        <p:spPr/>
         <p:txBody>
           <a:bodyPr/>
           <a:p>
             <a:r>
               <a:rPr lang="en-US" altLang="zh-CN"/>
-              <a:t>Jun Li</a:t>
+              <a:t>March 6th~ March 11th</a:t>
             </a:r>
             <a:endParaRPr lang="en-US" altLang="zh-CN"/>
           </a:p>
@@ -11627,6 +11633,803 @@
   <p:clrMapOvr>
     <a:masterClrMapping/>
   </p:clrMapOvr>
+</p:sld>
+</file>
+
+<file path=ppt/slides/slide28.xml><?xml version="1.0" encoding="utf-8"?>
+<p:sld xmlns:a="http://schemas.openxmlformats.org/drawingml/2006/main" xmlns:r="http://schemas.openxmlformats.org/officeDocument/2006/relationships" xmlns:p="http://schemas.openxmlformats.org/presentationml/2006/main">
+  <p:cSld>
+    <p:spTree>
+      <p:nvGrpSpPr>
+        <p:cNvPr id="1" name=""/>
+        <p:cNvGrpSpPr/>
+        <p:nvPr/>
+      </p:nvGrpSpPr>
+      <p:grpSpPr/>
+      <p:sp>
+        <p:nvSpPr>
+          <p:cNvPr id="2" name="标题 1"/>
+          <p:cNvSpPr>
+            <a:spLocks noGrp="1"/>
+          </p:cNvSpPr>
+          <p:nvPr>
+            <p:ph type="title"/>
+          </p:nvPr>
+        </p:nvSpPr>
+        <p:spPr/>
+        <p:txBody>
+          <a:bodyPr/>
+          <a:p>
+            <a:r>
+              <a:rPr lang="zh-CN" altLang="en-US"/>
+              <a:t>上次组会前完成了</a:t>
+            </a:r>
+            <a:endParaRPr lang="zh-CN" altLang="en-US"/>
+          </a:p>
+        </p:txBody>
+      </p:sp>
+      <p:sp>
+        <p:nvSpPr>
+          <p:cNvPr id="3" name="内容占位符 2"/>
+          <p:cNvSpPr>
+            <a:spLocks noGrp="1"/>
+          </p:cNvSpPr>
+          <p:nvPr>
+            <p:ph idx="1"/>
+          </p:nvPr>
+        </p:nvSpPr>
+        <p:spPr>
+          <a:xfrm>
+            <a:off x="838200" y="1825625"/>
+            <a:ext cx="10515600" cy="4465955"/>
+          </a:xfrm>
+        </p:spPr>
+        <p:txBody>
+          <a:bodyPr>
+            <a:normAutofit lnSpcReduction="10000"/>
+          </a:bodyPr>
+          <a:p>
+            <a:pPr marL="0" indent="0"/>
+            <a:r>
+              <a:rPr lang="zh-CN" altLang="en-US" sz="3200"/>
+              <a:t>各类</a:t>
+            </a:r>
+            <a:r>
+              <a:rPr lang="en-US" altLang="zh-CN" sz="3200"/>
+              <a:t>json</a:t>
+            </a:r>
+            <a:r>
+              <a:rPr lang="zh-CN" altLang="en-US" sz="3200"/>
+              <a:t>文件的读取，</a:t>
+            </a:r>
+            <a:endParaRPr lang="zh-CN" altLang="en-US" sz="3200"/>
+          </a:p>
+          <a:p>
+            <a:pPr marL="0" indent="0"/>
+            <a:r>
+              <a:rPr lang="zh-CN" altLang="en-US" sz="3200"/>
+              <a:t>也即</a:t>
+            </a:r>
+            <a:r>
+              <a:rPr lang="en-US" altLang="zh-CN" sz="3200"/>
+              <a:t>representatives </a:t>
+            </a:r>
+            <a:r>
+              <a:rPr lang="zh-CN" altLang="en-US" sz="3200"/>
+              <a:t>和</a:t>
+            </a:r>
+            <a:r>
+              <a:rPr lang="en-US" altLang="zh-CN" sz="3200"/>
+              <a:t> ECCs</a:t>
+            </a:r>
+            <a:r>
+              <a:rPr lang="zh-CN" altLang="en-US" sz="3200"/>
+              <a:t>的读取</a:t>
+            </a:r>
+            <a:endParaRPr lang="zh-CN" altLang="en-US" sz="3200"/>
+          </a:p>
+          <a:p>
+            <a:pPr marL="0" indent="0"/>
+            <a:endParaRPr lang="zh-CN" altLang="en-US" sz="3200"/>
+          </a:p>
+          <a:p>
+            <a:pPr marL="0" indent="0"/>
+            <a:endParaRPr lang="zh-CN" altLang="en-US" sz="3200"/>
+          </a:p>
+          <a:p>
+            <a:pPr marL="0" indent="0"/>
+            <a:endParaRPr lang="zh-CN" altLang="en-US" sz="3200"/>
+          </a:p>
+          <a:p>
+            <a:pPr lvl="0" algn="l">
+              <a:lnSpc>
+                <a:spcPct val="90000"/>
+              </a:lnSpc>
+              <a:spcBef>
+                <a:spcPts val="1000"/>
+              </a:spcBef>
+              <a:buClrTx/>
+              <a:buSzTx/>
+              <a:buFont typeface="Arial" panose="02080604020202020204" pitchFamily="34" charset="0"/>
+              <a:buChar char="•"/>
+            </a:pPr>
+            <a:r>
+              <a:rPr lang="zh-CN" altLang="en-US" sz="3200">
+                <a:sym typeface="+mn-ea"/>
+              </a:rPr>
+              <a:t>扩展DataExtracter接口</a:t>
+            </a:r>
+            <a:endParaRPr lang="zh-CN" altLang="en-US" sz="3200">
+              <a:sym typeface="+mn-ea"/>
+            </a:endParaRPr>
+          </a:p>
+          <a:p>
+            <a:pPr lvl="0" algn="l">
+              <a:lnSpc>
+                <a:spcPct val="90000"/>
+              </a:lnSpc>
+              <a:spcBef>
+                <a:spcPts val="1000"/>
+              </a:spcBef>
+              <a:buClrTx/>
+              <a:buSzTx/>
+              <a:buFont typeface="Arial" panose="02080604020202020204" pitchFamily="34" charset="0"/>
+              <a:buChar char="•"/>
+            </a:pPr>
+            <a:r>
+              <a:rPr lang="zh-CN" altLang="en-US" sz="3200">
+                <a:sym typeface="+mn-ea"/>
+              </a:rPr>
+              <a:t>完成</a:t>
+            </a:r>
+            <a:r>
+              <a:rPr lang="en-US" altLang="zh-CN" sz="3200">
+                <a:sym typeface="+mn-ea"/>
+              </a:rPr>
+              <a:t>circuit</a:t>
+            </a:r>
+            <a:r>
+              <a:rPr lang="zh-CN" altLang="en-US" sz="3200">
+                <a:sym typeface="+mn-ea"/>
+              </a:rPr>
+              <a:t>的提取</a:t>
+            </a:r>
+            <a:r>
+              <a:rPr lang="en-US" altLang="zh-CN" sz="3200">
+                <a:sym typeface="+mn-ea"/>
+              </a:rPr>
+              <a:t> </a:t>
+            </a:r>
+            <a:r>
+              <a:rPr lang="zh-CN" altLang="en-US" sz="3200">
+                <a:sym typeface="+mn-ea"/>
+              </a:rPr>
+              <a:t>从</a:t>
+            </a:r>
+            <a:r>
+              <a:rPr lang="en-US" altLang="zh-CN" sz="3200">
+                <a:sym typeface="+mn-ea"/>
+              </a:rPr>
+              <a:t>std::string -&gt; gate info</a:t>
+            </a:r>
+            <a:endParaRPr lang="zh-CN" altLang="en-US" sz="3200">
+              <a:sym typeface="+mn-ea"/>
+            </a:endParaRPr>
+          </a:p>
+          <a:p>
+            <a:pPr marL="0" indent="0"/>
+            <a:r>
+              <a:rPr lang="zh-CN" altLang="en-US"/>
+              <a:t>按照</a:t>
+            </a:r>
+            <a:r>
+              <a:rPr lang="en-US" altLang="zh-CN"/>
+              <a:t>QCIR</a:t>
+            </a:r>
+            <a:r>
+              <a:rPr lang="zh-CN" altLang="en-US"/>
+              <a:t>的模式存储格式，将</a:t>
+            </a:r>
+            <a:r>
+              <a:rPr lang="en-US" altLang="zh-CN"/>
+              <a:t>quartz</a:t>
+            </a:r>
+            <a:r>
+              <a:rPr lang="zh-CN" altLang="en-US"/>
+              <a:t>生成的模式输出</a:t>
+            </a:r>
+            <a:endParaRPr lang="zh-CN" altLang="en-US"/>
+          </a:p>
+          <a:p>
+            <a:pPr marL="0" indent="0"/>
+            <a:endParaRPr lang="zh-CN" altLang="en-US"/>
+          </a:p>
+          <a:p>
+            <a:pPr marL="0" indent="0">
+              <a:buNone/>
+            </a:pPr>
+            <a:endParaRPr lang="zh-CN" altLang="en-US"/>
+          </a:p>
+        </p:txBody>
+      </p:sp>
+      <p:sp>
+        <p:nvSpPr>
+          <p:cNvPr id="4" name="文本框 3"/>
+          <p:cNvSpPr txBox="1"/>
+          <p:nvPr/>
+        </p:nvSpPr>
+        <p:spPr>
+          <a:xfrm>
+            <a:off x="917575" y="3592195"/>
+            <a:ext cx="2976880" cy="768350"/>
+          </a:xfrm>
+          <a:prstGeom prst="rect">
+            <a:avLst/>
+          </a:prstGeom>
+          <a:noFill/>
+        </p:spPr>
+        <p:txBody>
+          <a:bodyPr wrap="none" rtlCol="0">
+            <a:spAutoFit/>
+          </a:bodyPr>
+          <a:p>
+            <a:r>
+              <a:rPr lang="zh-CN" altLang="en-US" sz="4400">
+                <a:latin typeface="+mj-lt"/>
+                <a:ea typeface="+mj-ea"/>
+                <a:cs typeface="+mj-cs"/>
+              </a:rPr>
+              <a:t>这周完成了</a:t>
+            </a:r>
+            <a:endParaRPr lang="zh-CN" altLang="en-US" sz="4400">
+              <a:latin typeface="+mj-lt"/>
+              <a:ea typeface="+mj-ea"/>
+              <a:cs typeface="+mj-cs"/>
+            </a:endParaRPr>
+          </a:p>
+        </p:txBody>
+      </p:sp>
+    </p:spTree>
+  </p:cSld>
+  <p:clrMapOvr>
+    <a:masterClrMapping/>
+  </p:clrMapOvr>
+  <p:timing>
+    <p:tnLst>
+      <p:par>
+        <p:cTn id="1" dur="indefinite" restart="never" nodeType="tmRoot">
+          <p:childTnLst>
+            <p:seq concurrent="1" nextAc="seek">
+              <p:cTn id="2" dur="indefinite" nodeType="mainSeq">
+                <p:childTnLst>
+                  <p:par>
+                    <p:cTn id="3" fill="hold">
+                      <p:stCondLst>
+                        <p:cond delay="indefinite"/>
+                      </p:stCondLst>
+                      <p:childTnLst>
+                        <p:par>
+                          <p:cTn id="4" fill="hold">
+                            <p:stCondLst>
+                              <p:cond delay="0"/>
+                            </p:stCondLst>
+                            <p:childTnLst>
+                              <p:par>
+                                <p:cTn id="5" presetID="1" presetClass="entr" presetSubtype="0" fill="hold" grpId="0" nodeType="clickEffect">
+                                  <p:stCondLst>
+                                    <p:cond delay="0"/>
+                                  </p:stCondLst>
+                                  <p:childTnLst>
+                                    <p:set>
+                                      <p:cBhvr>
+                                        <p:cTn id="6" dur="1" fill="hold">
+                                          <p:stCondLst>
+                                            <p:cond delay="0"/>
+                                          </p:stCondLst>
+                                        </p:cTn>
+                                        <p:tgtEl>
+                                          <p:spTgt spid="4"/>
+                                        </p:tgtEl>
+                                        <p:attrNameLst>
+                                          <p:attrName>style.visibility</p:attrName>
+                                        </p:attrNameLst>
+                                      </p:cBhvr>
+                                      <p:to>
+                                        <p:strVal val="visible"/>
+                                      </p:to>
+                                    </p:set>
+                                  </p:childTnLst>
+                                </p:cTn>
+                              </p:par>
+                            </p:childTnLst>
+                          </p:cTn>
+                        </p:par>
+                      </p:childTnLst>
+                    </p:cTn>
+                  </p:par>
+                  <p:par>
+                    <p:cTn id="7" fill="hold">
+                      <p:stCondLst>
+                        <p:cond delay="indefinite"/>
+                      </p:stCondLst>
+                      <p:childTnLst>
+                        <p:par>
+                          <p:cTn id="8" fill="hold">
+                            <p:stCondLst>
+                              <p:cond delay="0"/>
+                            </p:stCondLst>
+                            <p:childTnLst>
+                              <p:par>
+                                <p:cTn id="9" presetID="1" presetClass="entr" presetSubtype="0" fill="hold" grpId="0" nodeType="clickEffect">
+                                  <p:stCondLst>
+                                    <p:cond delay="0"/>
+                                  </p:stCondLst>
+                                  <p:childTnLst>
+                                    <p:set>
+                                      <p:cBhvr>
+                                        <p:cTn id="10" dur="1" fill="hold">
+                                          <p:stCondLst>
+                                            <p:cond delay="0"/>
+                                          </p:stCondLst>
+                                        </p:cTn>
+                                        <p:tgtEl>
+                                          <p:spTgt spid="3">
+                                            <p:txEl>
+                                              <p:pRg st="0" end="0"/>
+                                            </p:txEl>
+                                          </p:spTgt>
+                                        </p:tgtEl>
+                                        <p:attrNameLst>
+                                          <p:attrName>style.visibility</p:attrName>
+                                        </p:attrNameLst>
+                                      </p:cBhvr>
+                                      <p:to>
+                                        <p:strVal val="visible"/>
+                                      </p:to>
+                                    </p:set>
+                                  </p:childTnLst>
+                                </p:cTn>
+                              </p:par>
+                            </p:childTnLst>
+                          </p:cTn>
+                        </p:par>
+                      </p:childTnLst>
+                    </p:cTn>
+                  </p:par>
+                  <p:par>
+                    <p:cTn id="11" fill="hold">
+                      <p:stCondLst>
+                        <p:cond delay="indefinite"/>
+                      </p:stCondLst>
+                      <p:childTnLst>
+                        <p:par>
+                          <p:cTn id="12" fill="hold">
+                            <p:stCondLst>
+                              <p:cond delay="0"/>
+                            </p:stCondLst>
+                            <p:childTnLst>
+                              <p:par>
+                                <p:cTn id="13" presetID="1" presetClass="entr" presetSubtype="0" fill="hold" grpId="0" nodeType="clickEffect">
+                                  <p:stCondLst>
+                                    <p:cond delay="0"/>
+                                  </p:stCondLst>
+                                  <p:childTnLst>
+                                    <p:set>
+                                      <p:cBhvr>
+                                        <p:cTn id="14" dur="1" fill="hold">
+                                          <p:stCondLst>
+                                            <p:cond delay="0"/>
+                                          </p:stCondLst>
+                                        </p:cTn>
+                                        <p:tgtEl>
+                                          <p:spTgt spid="3">
+                                            <p:txEl>
+                                              <p:pRg st="1" end="1"/>
+                                            </p:txEl>
+                                          </p:spTgt>
+                                        </p:tgtEl>
+                                        <p:attrNameLst>
+                                          <p:attrName>style.visibility</p:attrName>
+                                        </p:attrNameLst>
+                                      </p:cBhvr>
+                                      <p:to>
+                                        <p:strVal val="visible"/>
+                                      </p:to>
+                                    </p:set>
+                                  </p:childTnLst>
+                                </p:cTn>
+                              </p:par>
+                            </p:childTnLst>
+                          </p:cTn>
+                        </p:par>
+                      </p:childTnLst>
+                    </p:cTn>
+                  </p:par>
+                  <p:par>
+                    <p:cTn id="15" fill="hold">
+                      <p:stCondLst>
+                        <p:cond delay="indefinite"/>
+                      </p:stCondLst>
+                      <p:childTnLst>
+                        <p:par>
+                          <p:cTn id="16" fill="hold">
+                            <p:stCondLst>
+                              <p:cond delay="0"/>
+                            </p:stCondLst>
+                            <p:childTnLst>
+                              <p:par>
+                                <p:cTn id="17" presetID="1" presetClass="entr" presetSubtype="0" fill="hold" grpId="0" nodeType="clickEffect">
+                                  <p:stCondLst>
+                                    <p:cond delay="0"/>
+                                  </p:stCondLst>
+                                  <p:childTnLst>
+                                    <p:set>
+                                      <p:cBhvr>
+                                        <p:cTn id="18" dur="1" fill="hold">
+                                          <p:stCondLst>
+                                            <p:cond delay="0"/>
+                                          </p:stCondLst>
+                                        </p:cTn>
+                                        <p:tgtEl>
+                                          <p:spTgt spid="3">
+                                            <p:txEl>
+                                              <p:pRg st="5" end="5"/>
+                                            </p:txEl>
+                                          </p:spTgt>
+                                        </p:tgtEl>
+                                        <p:attrNameLst>
+                                          <p:attrName>style.visibility</p:attrName>
+                                        </p:attrNameLst>
+                                      </p:cBhvr>
+                                      <p:to>
+                                        <p:strVal val="visible"/>
+                                      </p:to>
+                                    </p:set>
+                                  </p:childTnLst>
+                                </p:cTn>
+                              </p:par>
+                            </p:childTnLst>
+                          </p:cTn>
+                        </p:par>
+                      </p:childTnLst>
+                    </p:cTn>
+                  </p:par>
+                  <p:par>
+                    <p:cTn id="19" fill="hold">
+                      <p:stCondLst>
+                        <p:cond delay="indefinite"/>
+                      </p:stCondLst>
+                      <p:childTnLst>
+                        <p:par>
+                          <p:cTn id="20" fill="hold">
+                            <p:stCondLst>
+                              <p:cond delay="0"/>
+                            </p:stCondLst>
+                            <p:childTnLst>
+                              <p:par>
+                                <p:cTn id="21" presetID="1" presetClass="entr" presetSubtype="0" fill="hold" grpId="0" nodeType="clickEffect">
+                                  <p:stCondLst>
+                                    <p:cond delay="0"/>
+                                  </p:stCondLst>
+                                  <p:childTnLst>
+                                    <p:set>
+                                      <p:cBhvr>
+                                        <p:cTn id="22" dur="1" fill="hold">
+                                          <p:stCondLst>
+                                            <p:cond delay="0"/>
+                                          </p:stCondLst>
+                                        </p:cTn>
+                                        <p:tgtEl>
+                                          <p:spTgt spid="3">
+                                            <p:txEl>
+                                              <p:pRg st="6" end="6"/>
+                                            </p:txEl>
+                                          </p:spTgt>
+                                        </p:tgtEl>
+                                        <p:attrNameLst>
+                                          <p:attrName>style.visibility</p:attrName>
+                                        </p:attrNameLst>
+                                      </p:cBhvr>
+                                      <p:to>
+                                        <p:strVal val="visible"/>
+                                      </p:to>
+                                    </p:set>
+                                  </p:childTnLst>
+                                </p:cTn>
+                              </p:par>
+                            </p:childTnLst>
+                          </p:cTn>
+                        </p:par>
+                      </p:childTnLst>
+                    </p:cTn>
+                  </p:par>
+                  <p:par>
+                    <p:cTn id="23" fill="hold">
+                      <p:stCondLst>
+                        <p:cond delay="indefinite"/>
+                      </p:stCondLst>
+                      <p:childTnLst>
+                        <p:par>
+                          <p:cTn id="24" fill="hold">
+                            <p:stCondLst>
+                              <p:cond delay="0"/>
+                            </p:stCondLst>
+                            <p:childTnLst>
+                              <p:par>
+                                <p:cTn id="25" presetID="1" presetClass="entr" presetSubtype="0" fill="hold" grpId="0" nodeType="clickEffect">
+                                  <p:stCondLst>
+                                    <p:cond delay="0"/>
+                                  </p:stCondLst>
+                                  <p:childTnLst>
+                                    <p:set>
+                                      <p:cBhvr>
+                                        <p:cTn id="26" dur="1" fill="hold">
+                                          <p:stCondLst>
+                                            <p:cond delay="0"/>
+                                          </p:stCondLst>
+                                        </p:cTn>
+                                        <p:tgtEl>
+                                          <p:spTgt spid="3">
+                                            <p:txEl>
+                                              <p:pRg st="7" end="7"/>
+                                            </p:txEl>
+                                          </p:spTgt>
+                                        </p:tgtEl>
+                                        <p:attrNameLst>
+                                          <p:attrName>style.visibility</p:attrName>
+                                        </p:attrNameLst>
+                                      </p:cBhvr>
+                                      <p:to>
+                                        <p:strVal val="visible"/>
+                                      </p:to>
+                                    </p:set>
+                                  </p:childTnLst>
+                                </p:cTn>
+                              </p:par>
+                            </p:childTnLst>
+                          </p:cTn>
+                        </p:par>
+                      </p:childTnLst>
+                    </p:cTn>
+                  </p:par>
+                </p:childTnLst>
+              </p:cTn>
+              <p:prevCondLst>
+                <p:cond evt="onPrev" delay="0">
+                  <p:tgtEl>
+                    <p:sldTgt/>
+                  </p:tgtEl>
+                </p:cond>
+              </p:prevCondLst>
+              <p:nextCondLst>
+                <p:cond evt="onNext" delay="0">
+                  <p:tgtEl>
+                    <p:sldTgt/>
+                  </p:tgtEl>
+                </p:cond>
+              </p:nextCondLst>
+            </p:seq>
+          </p:childTnLst>
+        </p:cTn>
+      </p:par>
+    </p:tnLst>
+    <p:bldLst>
+      <p:bldP spid="3" grpId="0" uiExpand="1" build="p"/>
+      <p:bldP spid="3" grpId="1" build="p"/>
+      <p:bldP spid="4" grpId="0"/>
+      <p:bldP spid="4" grpId="1"/>
+    </p:bldLst>
+  </p:timing>
+</p:sld>
+</file>
+
+<file path=ppt/slides/slide29.xml><?xml version="1.0" encoding="utf-8"?>
+<p:sld xmlns:a="http://schemas.openxmlformats.org/drawingml/2006/main" xmlns:r="http://schemas.openxmlformats.org/officeDocument/2006/relationships" xmlns:p="http://schemas.openxmlformats.org/presentationml/2006/main">
+  <p:cSld>
+    <p:spTree>
+      <p:nvGrpSpPr>
+        <p:cNvPr id="1" name=""/>
+        <p:cNvGrpSpPr/>
+        <p:nvPr/>
+      </p:nvGrpSpPr>
+      <p:grpSpPr/>
+      <p:sp>
+        <p:nvSpPr>
+          <p:cNvPr id="2" name="标题 1"/>
+          <p:cNvSpPr>
+            <a:spLocks noGrp="1"/>
+          </p:cNvSpPr>
+          <p:nvPr>
+            <p:ph type="title"/>
+          </p:nvPr>
+        </p:nvSpPr>
+        <p:spPr/>
+        <p:txBody>
+          <a:bodyPr/>
+          <a:p>
+            <a:r>
+              <a:rPr lang="en-US" altLang="zh-CN"/>
+              <a:t>DataExtracter</a:t>
+            </a:r>
+            <a:endParaRPr lang="en-US" altLang="zh-CN"/>
+          </a:p>
+        </p:txBody>
+      </p:sp>
+      <p:pic>
+        <p:nvPicPr>
+          <p:cNvPr id="4" name="内容占位符 3"/>
+          <p:cNvPicPr>
+            <a:picLocks noChangeAspect="1"/>
+          </p:cNvPicPr>
+          <p:nvPr>
+            <p:ph idx="1"/>
+          </p:nvPr>
+        </p:nvPicPr>
+        <p:blipFill>
+          <a:blip r:embed="rId1"/>
+          <a:stretch>
+            <a:fillRect/>
+          </a:stretch>
+        </p:blipFill>
+        <p:spPr>
+          <a:xfrm>
+            <a:off x="395605" y="2035175"/>
+            <a:ext cx="11400155" cy="3750310"/>
+          </a:xfrm>
+          <a:prstGeom prst="rect">
+            <a:avLst/>
+          </a:prstGeom>
+        </p:spPr>
+      </p:pic>
+      <p:pic>
+        <p:nvPicPr>
+          <p:cNvPr id="3" name="图片 2"/>
+          <p:cNvPicPr>
+            <a:picLocks noChangeAspect="1"/>
+          </p:cNvPicPr>
+          <p:nvPr/>
+        </p:nvPicPr>
+        <p:blipFill>
+          <a:blip r:embed="rId2"/>
+          <a:stretch>
+            <a:fillRect/>
+          </a:stretch>
+        </p:blipFill>
+        <p:spPr>
+          <a:xfrm>
+            <a:off x="4589780" y="1341120"/>
+            <a:ext cx="7292340" cy="5307330"/>
+          </a:xfrm>
+          <a:prstGeom prst="rect">
+            <a:avLst/>
+          </a:prstGeom>
+        </p:spPr>
+      </p:pic>
+    </p:spTree>
+  </p:cSld>
+  <p:clrMapOvr>
+    <a:masterClrMapping/>
+  </p:clrMapOvr>
+  <p:timing>
+    <p:tnLst>
+      <p:par>
+        <p:cTn id="1" dur="indefinite" restart="never" nodeType="tmRoot">
+          <p:childTnLst>
+            <p:seq concurrent="1" nextAc="seek">
+              <p:cTn id="2" dur="indefinite" nodeType="mainSeq">
+                <p:childTnLst>
+                  <p:par>
+                    <p:cTn id="3" fill="hold">
+                      <p:stCondLst>
+                        <p:cond delay="indefinite"/>
+                      </p:stCondLst>
+                      <p:childTnLst>
+                        <p:par>
+                          <p:cTn id="4" fill="hold">
+                            <p:stCondLst>
+                              <p:cond delay="0"/>
+                            </p:stCondLst>
+                            <p:childTnLst>
+                              <p:par>
+                                <p:cTn id="5" presetID="1" presetClass="entr" presetSubtype="0" fill="hold" nodeType="clickEffect">
+                                  <p:stCondLst>
+                                    <p:cond delay="0"/>
+                                  </p:stCondLst>
+                                  <p:childTnLst>
+                                    <p:set>
+                                      <p:cBhvr>
+                                        <p:cTn id="6" dur="1" fill="hold">
+                                          <p:stCondLst>
+                                            <p:cond delay="0"/>
+                                          </p:stCondLst>
+                                        </p:cTn>
+                                        <p:tgtEl>
+                                          <p:spTgt spid="4"/>
+                                        </p:tgtEl>
+                                        <p:attrNameLst>
+                                          <p:attrName>style.visibility</p:attrName>
+                                        </p:attrNameLst>
+                                      </p:cBhvr>
+                                      <p:to>
+                                        <p:strVal val="visible"/>
+                                      </p:to>
+                                    </p:set>
+                                  </p:childTnLst>
+                                </p:cTn>
+                              </p:par>
+                            </p:childTnLst>
+                          </p:cTn>
+                        </p:par>
+                      </p:childTnLst>
+                    </p:cTn>
+                  </p:par>
+                  <p:par>
+                    <p:cTn id="7" fill="hold">
+                      <p:stCondLst>
+                        <p:cond delay="indefinite"/>
+                      </p:stCondLst>
+                      <p:childTnLst>
+                        <p:par>
+                          <p:cTn id="8" fill="hold">
+                            <p:stCondLst>
+                              <p:cond delay="0"/>
+                            </p:stCondLst>
+                            <p:childTnLst>
+                              <p:par>
+                                <p:cTn id="9" presetID="1" presetClass="entr" presetSubtype="0" fill="hold" nodeType="clickEffect">
+                                  <p:stCondLst>
+                                    <p:cond delay="0"/>
+                                  </p:stCondLst>
+                                  <p:childTnLst>
+                                    <p:set>
+                                      <p:cBhvr>
+                                        <p:cTn id="10" dur="1" fill="hold">
+                                          <p:stCondLst>
+                                            <p:cond delay="0"/>
+                                          </p:stCondLst>
+                                        </p:cTn>
+                                        <p:tgtEl>
+                                          <p:spTgt spid="3"/>
+                                        </p:tgtEl>
+                                        <p:attrNameLst>
+                                          <p:attrName>style.visibility</p:attrName>
+                                        </p:attrNameLst>
+                                      </p:cBhvr>
+                                      <p:to>
+                                        <p:strVal val="visible"/>
+                                      </p:to>
+                                    </p:set>
+                                  </p:childTnLst>
+                                </p:cTn>
+                              </p:par>
+                            </p:childTnLst>
+                          </p:cTn>
+                        </p:par>
+                      </p:childTnLst>
+                    </p:cTn>
+                  </p:par>
+                </p:childTnLst>
+              </p:cTn>
+              <p:prevCondLst>
+                <p:cond evt="onPrev" delay="0">
+                  <p:tgtEl>
+                    <p:sldTgt/>
+                  </p:tgtEl>
+                </p:cond>
+              </p:prevCondLst>
+              <p:nextCondLst>
+                <p:cond evt="onNext" delay="0">
+                  <p:tgtEl>
+                    <p:sldTgt/>
+                  </p:tgtEl>
+                </p:cond>
+              </p:nextCondLst>
+            </p:seq>
+          </p:childTnLst>
+        </p:cTn>
+      </p:par>
+    </p:tnLst>
+  </p:timing>
 </p:sld>
 </file>
 
@@ -11932,6 +12735,2636 @@
       <p:bldP spid="6" grpId="1"/>
     </p:bldLst>
   </p:timing>
+</p:sld>
+</file>
+
+<file path=ppt/slides/slide30.xml><?xml version="1.0" encoding="utf-8"?>
+<p:sld xmlns:a="http://schemas.openxmlformats.org/drawingml/2006/main" xmlns:r="http://schemas.openxmlformats.org/officeDocument/2006/relationships" xmlns:p="http://schemas.openxmlformats.org/presentationml/2006/main">
+  <p:cSld>
+    <p:spTree>
+      <p:nvGrpSpPr>
+        <p:cNvPr id="1" name=""/>
+        <p:cNvGrpSpPr/>
+        <p:nvPr/>
+      </p:nvGrpSpPr>
+      <p:grpSpPr/>
+      <p:sp>
+        <p:nvSpPr>
+          <p:cNvPr id="2" name="标题 1"/>
+          <p:cNvSpPr>
+            <a:spLocks noGrp="1"/>
+          </p:cNvSpPr>
+          <p:nvPr>
+            <p:ph type="title"/>
+          </p:nvPr>
+        </p:nvSpPr>
+        <p:spPr/>
+        <p:txBody>
+          <a:bodyPr/>
+          <a:p>
+            <a:r>
+              <a:rPr lang="zh-CN" altLang="en-US"/>
+              <a:t>成果</a:t>
+            </a:r>
+            <a:endParaRPr lang="zh-CN" altLang="en-US"/>
+          </a:p>
+        </p:txBody>
+      </p:sp>
+      <p:pic>
+        <p:nvPicPr>
+          <p:cNvPr id="4" name="内容占位符 3"/>
+          <p:cNvPicPr>
+            <a:picLocks noChangeAspect="1"/>
+          </p:cNvPicPr>
+          <p:nvPr>
+            <p:ph idx="1"/>
+          </p:nvPr>
+        </p:nvPicPr>
+        <p:blipFill>
+          <a:blip r:embed="rId1"/>
+          <a:stretch>
+            <a:fillRect/>
+          </a:stretch>
+        </p:blipFill>
+        <p:spPr>
+          <a:xfrm>
+            <a:off x="838200" y="1542415"/>
+            <a:ext cx="4980305" cy="4839970"/>
+          </a:xfrm>
+          <a:prstGeom prst="rect">
+            <a:avLst/>
+          </a:prstGeom>
+        </p:spPr>
+      </p:pic>
+      <p:sp>
+        <p:nvSpPr>
+          <p:cNvPr id="5" name="文本框 4"/>
+          <p:cNvSpPr txBox="1"/>
+          <p:nvPr/>
+        </p:nvSpPr>
+        <p:spPr>
+          <a:xfrm>
+            <a:off x="4909185" y="1186180"/>
+            <a:ext cx="6994525" cy="5262245"/>
+          </a:xfrm>
+          <a:prstGeom prst="rect">
+            <a:avLst/>
+          </a:prstGeom>
+          <a:noFill/>
+        </p:spPr>
+        <p:txBody>
+          <a:bodyPr wrap="square" rtlCol="0">
+            <a:spAutoFit/>
+          </a:bodyPr>
+          <a:p>
+            <a:pPr marL="457200" indent="-457200">
+              <a:buFont typeface="Arial" panose="02080604020202020204" pitchFamily="34" charset="0"/>
+              <a:buChar char="•"/>
+            </a:pPr>
+            <a:r>
+              <a:rPr lang="en-US" altLang="zh-CN" sz="2800"/>
+              <a:t>等价类中的dag可以相互转换</a:t>
+            </a:r>
+            <a:endParaRPr lang="en-US" altLang="zh-CN" sz="2800"/>
+          </a:p>
+          <a:p>
+            <a:pPr marL="457200" indent="-457200">
+              <a:buFont typeface="Arial" panose="02080604020202020204" pitchFamily="34" charset="0"/>
+              <a:buChar char="•"/>
+            </a:pPr>
+            <a:r>
+              <a:rPr lang="en-US" altLang="zh-CN" sz="2800"/>
+              <a:t>每个等价类有一个</a:t>
+            </a:r>
+            <a:r>
+              <a:rPr lang="zh-CN" altLang="en-US" sz="2800"/>
+              <a:t>代表元</a:t>
+            </a:r>
+            <a:r>
+              <a:rPr lang="en-US" altLang="zh-CN" sz="2800"/>
+              <a:t>作为代表，它的规模在等价类中最小</a:t>
+            </a:r>
+            <a:endParaRPr lang="en-US" altLang="zh-CN" sz="2800"/>
+          </a:p>
+          <a:p>
+            <a:pPr marL="457200" indent="-457200">
+              <a:buFont typeface="Arial" panose="02080604020202020204" pitchFamily="34" charset="0"/>
+              <a:buChar char="•"/>
+            </a:pPr>
+            <a:r>
+              <a:rPr lang="en-US" altLang="zh-CN" sz="2800"/>
+              <a:t>每一个</a:t>
+            </a:r>
+            <a:r>
+              <a:rPr lang="zh-CN" altLang="en-US" sz="2800"/>
+              <a:t>代表元</a:t>
+            </a:r>
+            <a:r>
+              <a:rPr lang="en-US" altLang="zh-CN" sz="2800"/>
+              <a:t>对应一个hash值</a:t>
+            </a:r>
+            <a:endParaRPr lang="en-US" altLang="zh-CN" sz="2800"/>
+          </a:p>
+          <a:p>
+            <a:pPr marL="457200" indent="-457200">
+              <a:buFont typeface="Arial" panose="02080604020202020204" pitchFamily="34" charset="0"/>
+              <a:buChar char="•"/>
+            </a:pPr>
+            <a:r>
+              <a:rPr lang="en-US" altLang="zh-CN" sz="2800"/>
+              <a:t>故将hash值作为模式的类别</a:t>
+            </a:r>
+            <a:endParaRPr lang="en-US" altLang="zh-CN" sz="2800"/>
+          </a:p>
+          <a:p>
+            <a:pPr marL="457200" indent="-457200">
+              <a:buFont typeface="Arial" panose="02080604020202020204" pitchFamily="34" charset="0"/>
+              <a:buChar char="•"/>
+            </a:pPr>
+            <a:r>
+              <a:rPr lang="en-US" altLang="zh-CN" sz="2800"/>
+              <a:t>其中，每一个模式的src部分对应等价类中的一个dag</a:t>
+            </a:r>
+            <a:endParaRPr lang="en-US" altLang="zh-CN" sz="2800"/>
+          </a:p>
+          <a:p>
+            <a:pPr marL="457200" indent="-457200">
+              <a:buFont typeface="Arial" panose="02080604020202020204" pitchFamily="34" charset="0"/>
+              <a:buChar char="•"/>
+            </a:pPr>
+            <a:r>
+              <a:rPr lang="en-US" altLang="zh-CN" sz="2800"/>
+              <a:t>而dst部分均为representative对应的dag</a:t>
+            </a:r>
+            <a:endParaRPr lang="en-US" altLang="zh-CN" sz="2800"/>
+          </a:p>
+          <a:p>
+            <a:pPr indent="0">
+              <a:buFont typeface="Arial" panose="02080604020202020204" pitchFamily="34" charset="0"/>
+              <a:buNone/>
+            </a:pPr>
+            <a:endParaRPr lang="en-US" altLang="zh-CN" sz="2800"/>
+          </a:p>
+          <a:p>
+            <a:pPr indent="0">
+              <a:buFont typeface="Arial" panose="02080604020202020204" pitchFamily="34" charset="0"/>
+              <a:buNone/>
+            </a:pPr>
+            <a:r>
+              <a:rPr lang="zh-CN" altLang="en-US" sz="2800"/>
+              <a:t>这样</a:t>
+            </a:r>
+            <a:r>
+              <a:rPr lang="en-US" altLang="zh-CN" sz="2800"/>
+              <a:t>QCIR</a:t>
+            </a:r>
+            <a:r>
+              <a:rPr lang="zh-CN" altLang="en-US" sz="2800"/>
+              <a:t>总是将源代码</a:t>
+            </a:r>
+            <a:r>
+              <a:rPr lang="en-US" altLang="zh-CN" sz="2800"/>
+              <a:t>dag</a:t>
+            </a:r>
+            <a:r>
+              <a:rPr lang="zh-CN" altLang="en-US" sz="2800"/>
+              <a:t>匹配到代表元，随后去匹配与代表元有包含关系的等价类</a:t>
+            </a:r>
+            <a:endParaRPr lang="zh-CN" altLang="en-US" sz="2800"/>
+          </a:p>
+        </p:txBody>
+      </p:sp>
+      <p:pic>
+        <p:nvPicPr>
+          <p:cNvPr id="6" name="图片 5"/>
+          <p:cNvPicPr>
+            <a:picLocks noChangeAspect="1"/>
+          </p:cNvPicPr>
+          <p:nvPr/>
+        </p:nvPicPr>
+        <p:blipFill>
+          <a:blip r:embed="rId2"/>
+          <a:srcRect r="26513"/>
+          <a:stretch>
+            <a:fillRect/>
+          </a:stretch>
+        </p:blipFill>
+        <p:spPr>
+          <a:xfrm>
+            <a:off x="838200" y="1551305"/>
+            <a:ext cx="4070985" cy="4831080"/>
+          </a:xfrm>
+          <a:prstGeom prst="rect">
+            <a:avLst/>
+          </a:prstGeom>
+        </p:spPr>
+      </p:pic>
+    </p:spTree>
+  </p:cSld>
+  <p:clrMapOvr>
+    <a:masterClrMapping/>
+  </p:clrMapOvr>
+  <p:timing>
+    <p:tnLst>
+      <p:par>
+        <p:cTn id="1" dur="indefinite" restart="never" nodeType="tmRoot">
+          <p:childTnLst>
+            <p:seq concurrent="1" nextAc="seek">
+              <p:cTn id="2" dur="indefinite" nodeType="mainSeq">
+                <p:childTnLst>
+                  <p:par>
+                    <p:cTn id="3" fill="hold">
+                      <p:stCondLst>
+                        <p:cond delay="indefinite"/>
+                      </p:stCondLst>
+                      <p:childTnLst>
+                        <p:par>
+                          <p:cTn id="4" fill="hold">
+                            <p:stCondLst>
+                              <p:cond delay="0"/>
+                            </p:stCondLst>
+                            <p:childTnLst>
+                              <p:par>
+                                <p:cTn id="5" presetID="1" presetClass="entr" presetSubtype="0" fill="hold" nodeType="clickEffect">
+                                  <p:stCondLst>
+                                    <p:cond delay="0"/>
+                                  </p:stCondLst>
+                                  <p:childTnLst>
+                                    <p:set>
+                                      <p:cBhvr>
+                                        <p:cTn id="6" dur="1" fill="hold">
+                                          <p:stCondLst>
+                                            <p:cond delay="0"/>
+                                          </p:stCondLst>
+                                        </p:cTn>
+                                        <p:tgtEl>
+                                          <p:spTgt spid="4"/>
+                                        </p:tgtEl>
+                                        <p:attrNameLst>
+                                          <p:attrName>style.visibility</p:attrName>
+                                        </p:attrNameLst>
+                                      </p:cBhvr>
+                                      <p:to>
+                                        <p:strVal val="visible"/>
+                                      </p:to>
+                                    </p:set>
+                                  </p:childTnLst>
+                                </p:cTn>
+                              </p:par>
+                            </p:childTnLst>
+                          </p:cTn>
+                        </p:par>
+                      </p:childTnLst>
+                    </p:cTn>
+                  </p:par>
+                  <p:par>
+                    <p:cTn id="7" fill="hold">
+                      <p:stCondLst>
+                        <p:cond delay="indefinite"/>
+                      </p:stCondLst>
+                      <p:childTnLst>
+                        <p:par>
+                          <p:cTn id="8" fill="hold">
+                            <p:stCondLst>
+                              <p:cond delay="0"/>
+                            </p:stCondLst>
+                            <p:childTnLst>
+                              <p:par>
+                                <p:cTn id="9" presetID="1" presetClass="entr" presetSubtype="0" fill="hold" nodeType="clickEffect">
+                                  <p:stCondLst>
+                                    <p:cond delay="0"/>
+                                  </p:stCondLst>
+                                  <p:childTnLst>
+                                    <p:set>
+                                      <p:cBhvr>
+                                        <p:cTn id="10" dur="1" fill="hold">
+                                          <p:stCondLst>
+                                            <p:cond delay="0"/>
+                                          </p:stCondLst>
+                                        </p:cTn>
+                                        <p:tgtEl>
+                                          <p:spTgt spid="6"/>
+                                        </p:tgtEl>
+                                        <p:attrNameLst>
+                                          <p:attrName>style.visibility</p:attrName>
+                                        </p:attrNameLst>
+                                      </p:cBhvr>
+                                      <p:to>
+                                        <p:strVal val="visible"/>
+                                      </p:to>
+                                    </p:set>
+                                  </p:childTnLst>
+                                </p:cTn>
+                              </p:par>
+                            </p:childTnLst>
+                          </p:cTn>
+                        </p:par>
+                      </p:childTnLst>
+                    </p:cTn>
+                  </p:par>
+                  <p:par>
+                    <p:cTn id="11" fill="hold">
+                      <p:stCondLst>
+                        <p:cond delay="indefinite"/>
+                      </p:stCondLst>
+                      <p:childTnLst>
+                        <p:par>
+                          <p:cTn id="12" fill="hold">
+                            <p:stCondLst>
+                              <p:cond delay="0"/>
+                            </p:stCondLst>
+                            <p:childTnLst>
+                              <p:par>
+                                <p:cTn id="13" presetID="1" presetClass="entr" presetSubtype="0" fill="hold" nodeType="clickEffect">
+                                  <p:stCondLst>
+                                    <p:cond delay="0"/>
+                                  </p:stCondLst>
+                                  <p:childTnLst>
+                                    <p:set>
+                                      <p:cBhvr>
+                                        <p:cTn id="14" dur="1" fill="hold">
+                                          <p:stCondLst>
+                                            <p:cond delay="0"/>
+                                          </p:stCondLst>
+                                        </p:cTn>
+                                        <p:tgtEl>
+                                          <p:spTgt spid="5">
+                                            <p:txEl>
+                                              <p:pRg st="0" end="0"/>
+                                            </p:txEl>
+                                          </p:spTgt>
+                                        </p:tgtEl>
+                                        <p:attrNameLst>
+                                          <p:attrName>style.visibility</p:attrName>
+                                        </p:attrNameLst>
+                                      </p:cBhvr>
+                                      <p:to>
+                                        <p:strVal val="visible"/>
+                                      </p:to>
+                                    </p:set>
+                                  </p:childTnLst>
+                                </p:cTn>
+                              </p:par>
+                            </p:childTnLst>
+                          </p:cTn>
+                        </p:par>
+                      </p:childTnLst>
+                    </p:cTn>
+                  </p:par>
+                  <p:par>
+                    <p:cTn id="15" fill="hold">
+                      <p:stCondLst>
+                        <p:cond delay="indefinite"/>
+                      </p:stCondLst>
+                      <p:childTnLst>
+                        <p:par>
+                          <p:cTn id="16" fill="hold">
+                            <p:stCondLst>
+                              <p:cond delay="0"/>
+                            </p:stCondLst>
+                            <p:childTnLst>
+                              <p:par>
+                                <p:cTn id="17" presetID="1" presetClass="entr" presetSubtype="0" fill="hold" nodeType="clickEffect">
+                                  <p:stCondLst>
+                                    <p:cond delay="0"/>
+                                  </p:stCondLst>
+                                  <p:childTnLst>
+                                    <p:set>
+                                      <p:cBhvr>
+                                        <p:cTn id="18" dur="1" fill="hold">
+                                          <p:stCondLst>
+                                            <p:cond delay="0"/>
+                                          </p:stCondLst>
+                                        </p:cTn>
+                                        <p:tgtEl>
+                                          <p:spTgt spid="5">
+                                            <p:txEl>
+                                              <p:pRg st="1" end="1"/>
+                                            </p:txEl>
+                                          </p:spTgt>
+                                        </p:tgtEl>
+                                        <p:attrNameLst>
+                                          <p:attrName>style.visibility</p:attrName>
+                                        </p:attrNameLst>
+                                      </p:cBhvr>
+                                      <p:to>
+                                        <p:strVal val="visible"/>
+                                      </p:to>
+                                    </p:set>
+                                  </p:childTnLst>
+                                </p:cTn>
+                              </p:par>
+                            </p:childTnLst>
+                          </p:cTn>
+                        </p:par>
+                      </p:childTnLst>
+                    </p:cTn>
+                  </p:par>
+                  <p:par>
+                    <p:cTn id="19" fill="hold">
+                      <p:stCondLst>
+                        <p:cond delay="indefinite"/>
+                      </p:stCondLst>
+                      <p:childTnLst>
+                        <p:par>
+                          <p:cTn id="20" fill="hold">
+                            <p:stCondLst>
+                              <p:cond delay="0"/>
+                            </p:stCondLst>
+                            <p:childTnLst>
+                              <p:par>
+                                <p:cTn id="21" presetID="1" presetClass="entr" presetSubtype="0" fill="hold" nodeType="clickEffect">
+                                  <p:stCondLst>
+                                    <p:cond delay="0"/>
+                                  </p:stCondLst>
+                                  <p:childTnLst>
+                                    <p:set>
+                                      <p:cBhvr>
+                                        <p:cTn id="22" dur="1" fill="hold">
+                                          <p:stCondLst>
+                                            <p:cond delay="0"/>
+                                          </p:stCondLst>
+                                        </p:cTn>
+                                        <p:tgtEl>
+                                          <p:spTgt spid="5">
+                                            <p:txEl>
+                                              <p:pRg st="2" end="2"/>
+                                            </p:txEl>
+                                          </p:spTgt>
+                                        </p:tgtEl>
+                                        <p:attrNameLst>
+                                          <p:attrName>style.visibility</p:attrName>
+                                        </p:attrNameLst>
+                                      </p:cBhvr>
+                                      <p:to>
+                                        <p:strVal val="visible"/>
+                                      </p:to>
+                                    </p:set>
+                                  </p:childTnLst>
+                                </p:cTn>
+                              </p:par>
+                            </p:childTnLst>
+                          </p:cTn>
+                        </p:par>
+                      </p:childTnLst>
+                    </p:cTn>
+                  </p:par>
+                  <p:par>
+                    <p:cTn id="23" fill="hold">
+                      <p:stCondLst>
+                        <p:cond delay="indefinite"/>
+                      </p:stCondLst>
+                      <p:childTnLst>
+                        <p:par>
+                          <p:cTn id="24" fill="hold">
+                            <p:stCondLst>
+                              <p:cond delay="0"/>
+                            </p:stCondLst>
+                            <p:childTnLst>
+                              <p:par>
+                                <p:cTn id="25" presetID="1" presetClass="entr" presetSubtype="0" fill="hold" nodeType="clickEffect">
+                                  <p:stCondLst>
+                                    <p:cond delay="0"/>
+                                  </p:stCondLst>
+                                  <p:childTnLst>
+                                    <p:set>
+                                      <p:cBhvr>
+                                        <p:cTn id="26" dur="1" fill="hold">
+                                          <p:stCondLst>
+                                            <p:cond delay="0"/>
+                                          </p:stCondLst>
+                                        </p:cTn>
+                                        <p:tgtEl>
+                                          <p:spTgt spid="5">
+                                            <p:txEl>
+                                              <p:pRg st="3" end="3"/>
+                                            </p:txEl>
+                                          </p:spTgt>
+                                        </p:tgtEl>
+                                        <p:attrNameLst>
+                                          <p:attrName>style.visibility</p:attrName>
+                                        </p:attrNameLst>
+                                      </p:cBhvr>
+                                      <p:to>
+                                        <p:strVal val="visible"/>
+                                      </p:to>
+                                    </p:set>
+                                  </p:childTnLst>
+                                </p:cTn>
+                              </p:par>
+                            </p:childTnLst>
+                          </p:cTn>
+                        </p:par>
+                      </p:childTnLst>
+                    </p:cTn>
+                  </p:par>
+                  <p:par>
+                    <p:cTn id="27" fill="hold">
+                      <p:stCondLst>
+                        <p:cond delay="indefinite"/>
+                      </p:stCondLst>
+                      <p:childTnLst>
+                        <p:par>
+                          <p:cTn id="28" fill="hold">
+                            <p:stCondLst>
+                              <p:cond delay="0"/>
+                            </p:stCondLst>
+                            <p:childTnLst>
+                              <p:par>
+                                <p:cTn id="29" presetID="1" presetClass="entr" presetSubtype="0" fill="hold" nodeType="clickEffect">
+                                  <p:stCondLst>
+                                    <p:cond delay="0"/>
+                                  </p:stCondLst>
+                                  <p:childTnLst>
+                                    <p:set>
+                                      <p:cBhvr>
+                                        <p:cTn id="30" dur="1" fill="hold">
+                                          <p:stCondLst>
+                                            <p:cond delay="0"/>
+                                          </p:stCondLst>
+                                        </p:cTn>
+                                        <p:tgtEl>
+                                          <p:spTgt spid="5">
+                                            <p:txEl>
+                                              <p:pRg st="4" end="4"/>
+                                            </p:txEl>
+                                          </p:spTgt>
+                                        </p:tgtEl>
+                                        <p:attrNameLst>
+                                          <p:attrName>style.visibility</p:attrName>
+                                        </p:attrNameLst>
+                                      </p:cBhvr>
+                                      <p:to>
+                                        <p:strVal val="visible"/>
+                                      </p:to>
+                                    </p:set>
+                                  </p:childTnLst>
+                                </p:cTn>
+                              </p:par>
+                            </p:childTnLst>
+                          </p:cTn>
+                        </p:par>
+                      </p:childTnLst>
+                    </p:cTn>
+                  </p:par>
+                  <p:par>
+                    <p:cTn id="31" fill="hold">
+                      <p:stCondLst>
+                        <p:cond delay="indefinite"/>
+                      </p:stCondLst>
+                      <p:childTnLst>
+                        <p:par>
+                          <p:cTn id="32" fill="hold">
+                            <p:stCondLst>
+                              <p:cond delay="0"/>
+                            </p:stCondLst>
+                            <p:childTnLst>
+                              <p:par>
+                                <p:cTn id="33" presetID="1" presetClass="entr" presetSubtype="0" fill="hold" nodeType="clickEffect">
+                                  <p:stCondLst>
+                                    <p:cond delay="0"/>
+                                  </p:stCondLst>
+                                  <p:childTnLst>
+                                    <p:set>
+                                      <p:cBhvr>
+                                        <p:cTn id="34" dur="1" fill="hold">
+                                          <p:stCondLst>
+                                            <p:cond delay="0"/>
+                                          </p:stCondLst>
+                                        </p:cTn>
+                                        <p:tgtEl>
+                                          <p:spTgt spid="5">
+                                            <p:txEl>
+                                              <p:pRg st="5" end="5"/>
+                                            </p:txEl>
+                                          </p:spTgt>
+                                        </p:tgtEl>
+                                        <p:attrNameLst>
+                                          <p:attrName>style.visibility</p:attrName>
+                                        </p:attrNameLst>
+                                      </p:cBhvr>
+                                      <p:to>
+                                        <p:strVal val="visible"/>
+                                      </p:to>
+                                    </p:set>
+                                  </p:childTnLst>
+                                </p:cTn>
+                              </p:par>
+                            </p:childTnLst>
+                          </p:cTn>
+                        </p:par>
+                      </p:childTnLst>
+                    </p:cTn>
+                  </p:par>
+                  <p:par>
+                    <p:cTn id="35" fill="hold">
+                      <p:stCondLst>
+                        <p:cond delay="indefinite"/>
+                      </p:stCondLst>
+                      <p:childTnLst>
+                        <p:par>
+                          <p:cTn id="36" fill="hold">
+                            <p:stCondLst>
+                              <p:cond delay="0"/>
+                            </p:stCondLst>
+                            <p:childTnLst>
+                              <p:par>
+                                <p:cTn id="37" presetID="1" presetClass="entr" presetSubtype="0" fill="hold" nodeType="clickEffect">
+                                  <p:stCondLst>
+                                    <p:cond delay="0"/>
+                                  </p:stCondLst>
+                                  <p:childTnLst>
+                                    <p:set>
+                                      <p:cBhvr>
+                                        <p:cTn id="38" dur="1" fill="hold">
+                                          <p:stCondLst>
+                                            <p:cond delay="0"/>
+                                          </p:stCondLst>
+                                        </p:cTn>
+                                        <p:tgtEl>
+                                          <p:spTgt spid="5">
+                                            <p:txEl>
+                                              <p:pRg st="7" end="7"/>
+                                            </p:txEl>
+                                          </p:spTgt>
+                                        </p:tgtEl>
+                                        <p:attrNameLst>
+                                          <p:attrName>style.visibility</p:attrName>
+                                        </p:attrNameLst>
+                                      </p:cBhvr>
+                                      <p:to>
+                                        <p:strVal val="visible"/>
+                                      </p:to>
+                                    </p:set>
+                                  </p:childTnLst>
+                                </p:cTn>
+                              </p:par>
+                            </p:childTnLst>
+                          </p:cTn>
+                        </p:par>
+                      </p:childTnLst>
+                    </p:cTn>
+                  </p:par>
+                </p:childTnLst>
+              </p:cTn>
+              <p:prevCondLst>
+                <p:cond evt="onPrev" delay="0">
+                  <p:tgtEl>
+                    <p:sldTgt/>
+                  </p:tgtEl>
+                </p:cond>
+              </p:prevCondLst>
+              <p:nextCondLst>
+                <p:cond evt="onNext" delay="0">
+                  <p:tgtEl>
+                    <p:sldTgt/>
+                  </p:tgtEl>
+                </p:cond>
+              </p:nextCondLst>
+            </p:seq>
+          </p:childTnLst>
+        </p:cTn>
+      </p:par>
+    </p:tnLst>
+  </p:timing>
+</p:sld>
+</file>
+
+<file path=ppt/slides/slide31.xml><?xml version="1.0" encoding="utf-8"?>
+<p:sld xmlns:a="http://schemas.openxmlformats.org/drawingml/2006/main" xmlns:r="http://schemas.openxmlformats.org/officeDocument/2006/relationships" xmlns:p="http://schemas.openxmlformats.org/presentationml/2006/main">
+  <p:cSld>
+    <p:spTree>
+      <p:nvGrpSpPr>
+        <p:cNvPr id="1" name=""/>
+        <p:cNvGrpSpPr/>
+        <p:nvPr/>
+      </p:nvGrpSpPr>
+      <p:grpSpPr/>
+      <p:sp>
+        <p:nvSpPr>
+          <p:cNvPr id="2" name="标题 1"/>
+          <p:cNvSpPr>
+            <a:spLocks noGrp="1"/>
+          </p:cNvSpPr>
+          <p:nvPr>
+            <p:ph type="title"/>
+          </p:nvPr>
+        </p:nvSpPr>
+        <p:spPr/>
+        <p:txBody>
+          <a:bodyPr/>
+          <a:p>
+            <a:r>
+              <a:rPr lang="zh-CN" altLang="en-US"/>
+              <a:t>下一步</a:t>
+            </a:r>
+            <a:endParaRPr lang="zh-CN" altLang="en-US"/>
+          </a:p>
+        </p:txBody>
+      </p:sp>
+      <p:sp>
+        <p:nvSpPr>
+          <p:cNvPr id="3" name="内容占位符 2"/>
+          <p:cNvSpPr>
+            <a:spLocks noGrp="1"/>
+          </p:cNvSpPr>
+          <p:nvPr>
+            <p:ph idx="1"/>
+          </p:nvPr>
+        </p:nvSpPr>
+        <p:spPr/>
+        <p:txBody>
+          <a:bodyPr/>
+          <a:p>
+            <a:r>
+              <a:rPr lang="zh-CN" altLang="en-US"/>
+              <a:t>设计并实现调度器</a:t>
+            </a:r>
+            <a:endParaRPr lang="zh-CN" altLang="en-US"/>
+          </a:p>
+          <a:p>
+            <a:r>
+              <a:rPr lang="zh-CN" altLang="en-US"/>
+              <a:t>进行初步的测试</a:t>
+            </a:r>
+            <a:endParaRPr lang="zh-CN" altLang="en-US"/>
+          </a:p>
+          <a:p>
+            <a:endParaRPr lang="zh-CN" altLang="en-US"/>
+          </a:p>
+          <a:p>
+            <a:endParaRPr lang="zh-CN" altLang="en-US"/>
+          </a:p>
+          <a:p>
+            <a:pPr marL="0" indent="0">
+              <a:buNone/>
+            </a:pPr>
+            <a:r>
+              <a:rPr lang="en-US" altLang="zh-CN"/>
+              <a:t>PS </a:t>
+            </a:r>
+            <a:r>
+              <a:rPr lang="zh-CN" altLang="en-US"/>
+              <a:t>：</a:t>
+            </a:r>
+            <a:r>
+              <a:rPr lang="en-US" altLang="zh-CN"/>
+              <a:t> </a:t>
+            </a:r>
+            <a:endParaRPr lang="en-US" altLang="zh-CN"/>
+          </a:p>
+          <a:p>
+            <a:pPr marL="0" indent="0">
+              <a:buNone/>
+            </a:pPr>
+            <a:r>
+              <a:rPr lang="en-US" altLang="zh-CN"/>
+              <a:t>Quartz</a:t>
+            </a:r>
+            <a:r>
+              <a:rPr lang="zh-CN" altLang="en-US"/>
+              <a:t>有一个小缺陷：没有办法处理角度，比如旋转门</a:t>
+            </a:r>
+            <a:endParaRPr lang="zh-CN" altLang="en-US"/>
+          </a:p>
+          <a:p>
+            <a:endParaRPr lang="zh-CN" altLang="en-US"/>
+          </a:p>
+        </p:txBody>
+      </p:sp>
+    </p:spTree>
+  </p:cSld>
+  <p:clrMapOvr>
+    <a:masterClrMapping/>
+  </p:clrMapOvr>
+</p:sld>
+</file>
+
+<file path=ppt/slides/slide32.xml><?xml version="1.0" encoding="utf-8"?>
+<p:sld xmlns:a="http://schemas.openxmlformats.org/drawingml/2006/main" xmlns:r="http://schemas.openxmlformats.org/officeDocument/2006/relationships" xmlns:p="http://schemas.openxmlformats.org/presentationml/2006/main">
+  <p:cSld>
+    <p:spTree>
+      <p:nvGrpSpPr>
+        <p:cNvPr id="1" name=""/>
+        <p:cNvGrpSpPr/>
+        <p:nvPr/>
+      </p:nvGrpSpPr>
+      <p:grpSpPr/>
+      <p:sp>
+        <p:nvSpPr>
+          <p:cNvPr id="4" name="标题 3"/>
+          <p:cNvSpPr>
+            <a:spLocks noGrp="1"/>
+          </p:cNvSpPr>
+          <p:nvPr>
+            <p:ph type="ctrTitle"/>
+          </p:nvPr>
+        </p:nvSpPr>
+        <p:spPr/>
+        <p:txBody>
+          <a:bodyPr/>
+          <a:p>
+            <a:r>
+              <a:rPr lang="zh-CN" altLang="en-US"/>
+              <a:t>初步实现</a:t>
+            </a:r>
+            <a:r>
+              <a:rPr lang="en-US" altLang="zh-CN"/>
+              <a:t>scheduler</a:t>
+            </a:r>
+            <a:endParaRPr lang="en-US" altLang="zh-CN"/>
+          </a:p>
+        </p:txBody>
+      </p:sp>
+      <p:sp>
+        <p:nvSpPr>
+          <p:cNvPr id="5" name="副标题 4"/>
+          <p:cNvSpPr>
+            <a:spLocks noGrp="1"/>
+          </p:cNvSpPr>
+          <p:nvPr>
+            <p:ph type="subTitle" idx="1"/>
+          </p:nvPr>
+        </p:nvSpPr>
+        <p:spPr/>
+        <p:txBody>
+          <a:bodyPr/>
+          <a:p>
+            <a:r>
+              <a:rPr lang="en-US" altLang="zh-CN"/>
+              <a:t>March 12th~ March 18th</a:t>
+            </a:r>
+            <a:endParaRPr lang="en-US" altLang="zh-CN"/>
+          </a:p>
+        </p:txBody>
+      </p:sp>
+    </p:spTree>
+  </p:cSld>
+  <p:clrMapOvr>
+    <a:masterClrMapping/>
+  </p:clrMapOvr>
+</p:sld>
+</file>
+
+<file path=ppt/slides/slide33.xml><?xml version="1.0" encoding="utf-8"?>
+<p:sld xmlns:a="http://schemas.openxmlformats.org/drawingml/2006/main" xmlns:r="http://schemas.openxmlformats.org/officeDocument/2006/relationships" xmlns:p="http://schemas.openxmlformats.org/presentationml/2006/main">
+  <p:cSld>
+    <p:spTree>
+      <p:nvGrpSpPr>
+        <p:cNvPr id="1" name=""/>
+        <p:cNvGrpSpPr/>
+        <p:nvPr/>
+      </p:nvGrpSpPr>
+      <p:grpSpPr/>
+      <p:sp>
+        <p:nvSpPr>
+          <p:cNvPr id="2" name="标题 1"/>
+          <p:cNvSpPr>
+            <a:spLocks noGrp="1"/>
+          </p:cNvSpPr>
+          <p:nvPr>
+            <p:ph type="title"/>
+          </p:nvPr>
+        </p:nvSpPr>
+        <p:spPr/>
+        <p:txBody>
+          <a:bodyPr/>
+          <a:p>
+            <a:r>
+              <a:rPr lang="zh-CN" altLang="en-US"/>
+              <a:t>上次组会前完成了</a:t>
+            </a:r>
+            <a:endParaRPr lang="zh-CN" altLang="en-US"/>
+          </a:p>
+        </p:txBody>
+      </p:sp>
+      <p:sp>
+        <p:nvSpPr>
+          <p:cNvPr id="3" name="内容占位符 2"/>
+          <p:cNvSpPr>
+            <a:spLocks noGrp="1"/>
+          </p:cNvSpPr>
+          <p:nvPr>
+            <p:ph idx="1"/>
+          </p:nvPr>
+        </p:nvSpPr>
+        <p:spPr>
+          <a:xfrm>
+            <a:off x="838200" y="1825625"/>
+            <a:ext cx="10515600" cy="4465955"/>
+          </a:xfrm>
+        </p:spPr>
+        <p:txBody>
+          <a:bodyPr>
+            <a:normAutofit lnSpcReduction="10000"/>
+          </a:bodyPr>
+          <a:p>
+            <a:pPr marL="0" indent="0"/>
+            <a:r>
+              <a:rPr lang="en-US" altLang="zh-CN" sz="3200">
+                <a:sym typeface="+mn-ea"/>
+              </a:rPr>
+              <a:t>quartz</a:t>
+            </a:r>
+            <a:r>
+              <a:rPr lang="zh-CN" altLang="en-US" sz="3200">
+                <a:sym typeface="+mn-ea"/>
+              </a:rPr>
+              <a:t>的模式输出</a:t>
+            </a:r>
+            <a:endParaRPr lang="zh-CN" altLang="en-US" sz="3200">
+              <a:sym typeface="+mn-ea"/>
+            </a:endParaRPr>
+          </a:p>
+          <a:p>
+            <a:pPr marL="0" indent="0"/>
+            <a:r>
+              <a:rPr lang="zh-CN" altLang="en-US" sz="3200"/>
+              <a:t>也即两个项目对接，</a:t>
+            </a:r>
+            <a:r>
+              <a:rPr lang="en-US" altLang="zh-CN" sz="3200"/>
+              <a:t>quartz</a:t>
+            </a:r>
+            <a:r>
+              <a:rPr lang="zh-CN" altLang="en-US" sz="3200"/>
+              <a:t>方面的工作</a:t>
+            </a:r>
+            <a:endParaRPr lang="zh-CN" altLang="en-US" sz="3200"/>
+          </a:p>
+          <a:p>
+            <a:pPr marL="0" indent="0"/>
+            <a:endParaRPr lang="zh-CN" altLang="en-US" sz="3200"/>
+          </a:p>
+          <a:p>
+            <a:pPr marL="0" indent="0"/>
+            <a:endParaRPr lang="zh-CN" altLang="en-US" sz="3200"/>
+          </a:p>
+          <a:p>
+            <a:pPr marL="0" indent="0"/>
+            <a:endParaRPr lang="zh-CN" altLang="en-US" sz="3200"/>
+          </a:p>
+          <a:p>
+            <a:pPr marL="0" indent="0"/>
+            <a:r>
+              <a:rPr lang="en-US" altLang="zh-CN"/>
+              <a:t>patternScheduler</a:t>
+            </a:r>
+            <a:r>
+              <a:rPr lang="zh-CN" altLang="en-US"/>
+              <a:t>类的初步实现</a:t>
+            </a:r>
+            <a:endParaRPr lang="zh-CN" altLang="en-US"/>
+          </a:p>
+          <a:p>
+            <a:pPr marL="0" indent="0"/>
+            <a:r>
+              <a:rPr lang="zh-CN" altLang="en-US"/>
+              <a:t>也即</a:t>
+            </a:r>
+            <a:r>
+              <a:rPr lang="zh-CN" altLang="en-US">
+                <a:sym typeface="+mn-ea"/>
+              </a:rPr>
+              <a:t>两个项目对接，</a:t>
+            </a:r>
+            <a:r>
+              <a:rPr lang="en-US" altLang="zh-CN">
+                <a:sym typeface="+mn-ea"/>
+              </a:rPr>
+              <a:t>qcir</a:t>
+            </a:r>
+            <a:r>
+              <a:rPr lang="zh-CN" altLang="en-US">
+                <a:sym typeface="+mn-ea"/>
+              </a:rPr>
+              <a:t>方面的工作</a:t>
+            </a:r>
+            <a:endParaRPr lang="zh-CN" altLang="en-US">
+              <a:sym typeface="+mn-ea"/>
+            </a:endParaRPr>
+          </a:p>
+          <a:p>
+            <a:pPr marL="0" indent="0"/>
+            <a:r>
+              <a:rPr lang="zh-CN" altLang="en-US"/>
+              <a:t>以及调度器的初步实现</a:t>
+            </a:r>
+            <a:r>
+              <a:rPr lang="en-US" altLang="zh-CN"/>
+              <a:t>---branch-searching</a:t>
+            </a:r>
+            <a:r>
+              <a:rPr lang="zh-CN" altLang="en-US"/>
+              <a:t>函数</a:t>
+            </a:r>
+            <a:endParaRPr lang="zh-CN" altLang="en-US"/>
+          </a:p>
+          <a:p>
+            <a:pPr marL="0" indent="0"/>
+            <a:endParaRPr lang="zh-CN" altLang="en-US"/>
+          </a:p>
+          <a:p>
+            <a:pPr marL="0" indent="0">
+              <a:buNone/>
+            </a:pPr>
+            <a:endParaRPr lang="zh-CN" altLang="en-US"/>
+          </a:p>
+        </p:txBody>
+      </p:sp>
+      <p:sp>
+        <p:nvSpPr>
+          <p:cNvPr id="4" name="文本框 3"/>
+          <p:cNvSpPr txBox="1"/>
+          <p:nvPr/>
+        </p:nvSpPr>
+        <p:spPr>
+          <a:xfrm>
+            <a:off x="917575" y="3592195"/>
+            <a:ext cx="2976880" cy="768350"/>
+          </a:xfrm>
+          <a:prstGeom prst="rect">
+            <a:avLst/>
+          </a:prstGeom>
+          <a:noFill/>
+        </p:spPr>
+        <p:txBody>
+          <a:bodyPr wrap="none" rtlCol="0">
+            <a:spAutoFit/>
+          </a:bodyPr>
+          <a:p>
+            <a:r>
+              <a:rPr lang="zh-CN" altLang="en-US" sz="4400">
+                <a:latin typeface="+mj-lt"/>
+                <a:ea typeface="+mj-ea"/>
+                <a:cs typeface="+mj-cs"/>
+              </a:rPr>
+              <a:t>这周完成了</a:t>
+            </a:r>
+            <a:endParaRPr lang="zh-CN" altLang="en-US" sz="4400">
+              <a:latin typeface="+mj-lt"/>
+              <a:ea typeface="+mj-ea"/>
+              <a:cs typeface="+mj-cs"/>
+            </a:endParaRPr>
+          </a:p>
+        </p:txBody>
+      </p:sp>
+    </p:spTree>
+  </p:cSld>
+  <p:clrMapOvr>
+    <a:masterClrMapping/>
+  </p:clrMapOvr>
+  <p:timing>
+    <p:tnLst>
+      <p:par>
+        <p:cTn id="1" dur="indefinite" restart="never" nodeType="tmRoot">
+          <p:childTnLst>
+            <p:seq concurrent="1" nextAc="seek">
+              <p:cTn id="2" dur="indefinite" nodeType="mainSeq">
+                <p:childTnLst>
+                  <p:par>
+                    <p:cTn id="3" fill="hold">
+                      <p:stCondLst>
+                        <p:cond delay="indefinite"/>
+                      </p:stCondLst>
+                      <p:childTnLst>
+                        <p:par>
+                          <p:cTn id="4" fill="hold">
+                            <p:stCondLst>
+                              <p:cond delay="0"/>
+                            </p:stCondLst>
+                            <p:childTnLst>
+                              <p:par>
+                                <p:cTn id="5" presetID="1" presetClass="entr" presetSubtype="0" fill="hold" grpId="0" nodeType="clickEffect">
+                                  <p:stCondLst>
+                                    <p:cond delay="0"/>
+                                  </p:stCondLst>
+                                  <p:childTnLst>
+                                    <p:set>
+                                      <p:cBhvr>
+                                        <p:cTn id="6" dur="1" fill="hold">
+                                          <p:stCondLst>
+                                            <p:cond delay="0"/>
+                                          </p:stCondLst>
+                                        </p:cTn>
+                                        <p:tgtEl>
+                                          <p:spTgt spid="4"/>
+                                        </p:tgtEl>
+                                        <p:attrNameLst>
+                                          <p:attrName>style.visibility</p:attrName>
+                                        </p:attrNameLst>
+                                      </p:cBhvr>
+                                      <p:to>
+                                        <p:strVal val="visible"/>
+                                      </p:to>
+                                    </p:set>
+                                  </p:childTnLst>
+                                </p:cTn>
+                              </p:par>
+                            </p:childTnLst>
+                          </p:cTn>
+                        </p:par>
+                      </p:childTnLst>
+                    </p:cTn>
+                  </p:par>
+                  <p:par>
+                    <p:cTn id="7" fill="hold">
+                      <p:stCondLst>
+                        <p:cond delay="indefinite"/>
+                      </p:stCondLst>
+                      <p:childTnLst>
+                        <p:par>
+                          <p:cTn id="8" fill="hold">
+                            <p:stCondLst>
+                              <p:cond delay="0"/>
+                            </p:stCondLst>
+                            <p:childTnLst>
+                              <p:par>
+                                <p:cTn id="9" presetID="1" presetClass="entr" presetSubtype="0" fill="hold" grpId="0" nodeType="clickEffect">
+                                  <p:stCondLst>
+                                    <p:cond delay="0"/>
+                                  </p:stCondLst>
+                                  <p:childTnLst>
+                                    <p:set>
+                                      <p:cBhvr>
+                                        <p:cTn id="10" dur="1" fill="hold">
+                                          <p:stCondLst>
+                                            <p:cond delay="0"/>
+                                          </p:stCondLst>
+                                        </p:cTn>
+                                        <p:tgtEl>
+                                          <p:spTgt spid="3">
+                                            <p:txEl>
+                                              <p:pRg st="0" end="0"/>
+                                            </p:txEl>
+                                          </p:spTgt>
+                                        </p:tgtEl>
+                                        <p:attrNameLst>
+                                          <p:attrName>style.visibility</p:attrName>
+                                        </p:attrNameLst>
+                                      </p:cBhvr>
+                                      <p:to>
+                                        <p:strVal val="visible"/>
+                                      </p:to>
+                                    </p:set>
+                                  </p:childTnLst>
+                                </p:cTn>
+                              </p:par>
+                            </p:childTnLst>
+                          </p:cTn>
+                        </p:par>
+                      </p:childTnLst>
+                    </p:cTn>
+                  </p:par>
+                  <p:par>
+                    <p:cTn id="11" fill="hold">
+                      <p:stCondLst>
+                        <p:cond delay="indefinite"/>
+                      </p:stCondLst>
+                      <p:childTnLst>
+                        <p:par>
+                          <p:cTn id="12" fill="hold">
+                            <p:stCondLst>
+                              <p:cond delay="0"/>
+                            </p:stCondLst>
+                            <p:childTnLst>
+                              <p:par>
+                                <p:cTn id="13" presetID="1" presetClass="entr" presetSubtype="0" fill="hold" grpId="0" nodeType="clickEffect">
+                                  <p:stCondLst>
+                                    <p:cond delay="0"/>
+                                  </p:stCondLst>
+                                  <p:childTnLst>
+                                    <p:set>
+                                      <p:cBhvr>
+                                        <p:cTn id="14" dur="1" fill="hold">
+                                          <p:stCondLst>
+                                            <p:cond delay="0"/>
+                                          </p:stCondLst>
+                                        </p:cTn>
+                                        <p:tgtEl>
+                                          <p:spTgt spid="3">
+                                            <p:txEl>
+                                              <p:pRg st="1" end="1"/>
+                                            </p:txEl>
+                                          </p:spTgt>
+                                        </p:tgtEl>
+                                        <p:attrNameLst>
+                                          <p:attrName>style.visibility</p:attrName>
+                                        </p:attrNameLst>
+                                      </p:cBhvr>
+                                      <p:to>
+                                        <p:strVal val="visible"/>
+                                      </p:to>
+                                    </p:set>
+                                  </p:childTnLst>
+                                </p:cTn>
+                              </p:par>
+                            </p:childTnLst>
+                          </p:cTn>
+                        </p:par>
+                      </p:childTnLst>
+                    </p:cTn>
+                  </p:par>
+                  <p:par>
+                    <p:cTn id="15" fill="hold">
+                      <p:stCondLst>
+                        <p:cond delay="indefinite"/>
+                      </p:stCondLst>
+                      <p:childTnLst>
+                        <p:par>
+                          <p:cTn id="16" fill="hold">
+                            <p:stCondLst>
+                              <p:cond delay="0"/>
+                            </p:stCondLst>
+                            <p:childTnLst>
+                              <p:par>
+                                <p:cTn id="17" presetID="1" presetClass="entr" presetSubtype="0" fill="hold" grpId="0" nodeType="clickEffect">
+                                  <p:stCondLst>
+                                    <p:cond delay="0"/>
+                                  </p:stCondLst>
+                                  <p:childTnLst>
+                                    <p:set>
+                                      <p:cBhvr>
+                                        <p:cTn id="18" dur="1" fill="hold">
+                                          <p:stCondLst>
+                                            <p:cond delay="0"/>
+                                          </p:stCondLst>
+                                        </p:cTn>
+                                        <p:tgtEl>
+                                          <p:spTgt spid="3">
+                                            <p:txEl>
+                                              <p:pRg st="5" end="5"/>
+                                            </p:txEl>
+                                          </p:spTgt>
+                                        </p:tgtEl>
+                                        <p:attrNameLst>
+                                          <p:attrName>style.visibility</p:attrName>
+                                        </p:attrNameLst>
+                                      </p:cBhvr>
+                                      <p:to>
+                                        <p:strVal val="visible"/>
+                                      </p:to>
+                                    </p:set>
+                                  </p:childTnLst>
+                                </p:cTn>
+                              </p:par>
+                            </p:childTnLst>
+                          </p:cTn>
+                        </p:par>
+                      </p:childTnLst>
+                    </p:cTn>
+                  </p:par>
+                  <p:par>
+                    <p:cTn id="19" fill="hold">
+                      <p:stCondLst>
+                        <p:cond delay="indefinite"/>
+                      </p:stCondLst>
+                      <p:childTnLst>
+                        <p:par>
+                          <p:cTn id="20" fill="hold">
+                            <p:stCondLst>
+                              <p:cond delay="0"/>
+                            </p:stCondLst>
+                            <p:childTnLst>
+                              <p:par>
+                                <p:cTn id="21" presetID="1" presetClass="entr" presetSubtype="0" fill="hold" grpId="0" nodeType="clickEffect">
+                                  <p:stCondLst>
+                                    <p:cond delay="0"/>
+                                  </p:stCondLst>
+                                  <p:childTnLst>
+                                    <p:set>
+                                      <p:cBhvr>
+                                        <p:cTn id="22" dur="1" fill="hold">
+                                          <p:stCondLst>
+                                            <p:cond delay="0"/>
+                                          </p:stCondLst>
+                                        </p:cTn>
+                                        <p:tgtEl>
+                                          <p:spTgt spid="3">
+                                            <p:txEl>
+                                              <p:pRg st="6" end="6"/>
+                                            </p:txEl>
+                                          </p:spTgt>
+                                        </p:tgtEl>
+                                        <p:attrNameLst>
+                                          <p:attrName>style.visibility</p:attrName>
+                                        </p:attrNameLst>
+                                      </p:cBhvr>
+                                      <p:to>
+                                        <p:strVal val="visible"/>
+                                      </p:to>
+                                    </p:set>
+                                  </p:childTnLst>
+                                </p:cTn>
+                              </p:par>
+                            </p:childTnLst>
+                          </p:cTn>
+                        </p:par>
+                      </p:childTnLst>
+                    </p:cTn>
+                  </p:par>
+                  <p:par>
+                    <p:cTn id="23" fill="hold">
+                      <p:stCondLst>
+                        <p:cond delay="indefinite"/>
+                      </p:stCondLst>
+                      <p:childTnLst>
+                        <p:par>
+                          <p:cTn id="24" fill="hold">
+                            <p:stCondLst>
+                              <p:cond delay="0"/>
+                            </p:stCondLst>
+                            <p:childTnLst>
+                              <p:par>
+                                <p:cTn id="25" presetID="1" presetClass="entr" presetSubtype="0" fill="hold" grpId="0" nodeType="clickEffect">
+                                  <p:stCondLst>
+                                    <p:cond delay="0"/>
+                                  </p:stCondLst>
+                                  <p:childTnLst>
+                                    <p:set>
+                                      <p:cBhvr>
+                                        <p:cTn id="26" dur="1" fill="hold">
+                                          <p:stCondLst>
+                                            <p:cond delay="0"/>
+                                          </p:stCondLst>
+                                        </p:cTn>
+                                        <p:tgtEl>
+                                          <p:spTgt spid="3">
+                                            <p:txEl>
+                                              <p:pRg st="7" end="7"/>
+                                            </p:txEl>
+                                          </p:spTgt>
+                                        </p:tgtEl>
+                                        <p:attrNameLst>
+                                          <p:attrName>style.visibility</p:attrName>
+                                        </p:attrNameLst>
+                                      </p:cBhvr>
+                                      <p:to>
+                                        <p:strVal val="visible"/>
+                                      </p:to>
+                                    </p:set>
+                                  </p:childTnLst>
+                                </p:cTn>
+                              </p:par>
+                            </p:childTnLst>
+                          </p:cTn>
+                        </p:par>
+                      </p:childTnLst>
+                    </p:cTn>
+                  </p:par>
+                </p:childTnLst>
+              </p:cTn>
+              <p:prevCondLst>
+                <p:cond evt="onPrev" delay="0">
+                  <p:tgtEl>
+                    <p:sldTgt/>
+                  </p:tgtEl>
+                </p:cond>
+              </p:prevCondLst>
+              <p:nextCondLst>
+                <p:cond evt="onNext" delay="0">
+                  <p:tgtEl>
+                    <p:sldTgt/>
+                  </p:tgtEl>
+                </p:cond>
+              </p:nextCondLst>
+            </p:seq>
+          </p:childTnLst>
+        </p:cTn>
+      </p:par>
+    </p:tnLst>
+    <p:bldLst>
+      <p:bldP spid="4" grpId="0"/>
+      <p:bldP spid="4" grpId="1"/>
+      <p:bldP spid="3" grpId="0" build="p"/>
+      <p:bldP spid="3" grpId="1" build="p"/>
+    </p:bldLst>
+  </p:timing>
+</p:sld>
+</file>
+
+<file path=ppt/slides/slide34.xml><?xml version="1.0" encoding="utf-8"?>
+<p:sld xmlns:a="http://schemas.openxmlformats.org/drawingml/2006/main" xmlns:r="http://schemas.openxmlformats.org/officeDocument/2006/relationships" xmlns:p="http://schemas.openxmlformats.org/presentationml/2006/main">
+  <p:cSld>
+    <p:spTree>
+      <p:nvGrpSpPr>
+        <p:cNvPr id="1" name=""/>
+        <p:cNvGrpSpPr/>
+        <p:nvPr/>
+      </p:nvGrpSpPr>
+      <p:grpSpPr/>
+      <p:sp>
+        <p:nvSpPr>
+          <p:cNvPr id="2" name="标题 1"/>
+          <p:cNvSpPr>
+            <a:spLocks noGrp="1"/>
+          </p:cNvSpPr>
+          <p:nvPr>
+            <p:ph type="title"/>
+          </p:nvPr>
+        </p:nvSpPr>
+        <p:spPr/>
+        <p:txBody>
+          <a:bodyPr/>
+          <a:p>
+            <a:r>
+              <a:rPr lang="en-US" altLang="zh-CN"/>
+              <a:t>patternScheduler</a:t>
+            </a:r>
+            <a:endParaRPr lang="en-US" altLang="zh-CN"/>
+          </a:p>
+        </p:txBody>
+      </p:sp>
+      <p:pic>
+        <p:nvPicPr>
+          <p:cNvPr id="4" name="内容占位符 3"/>
+          <p:cNvPicPr>
+            <a:picLocks noChangeAspect="1"/>
+          </p:cNvPicPr>
+          <p:nvPr>
+            <p:ph idx="1"/>
+          </p:nvPr>
+        </p:nvPicPr>
+        <p:blipFill>
+          <a:blip r:embed="rId1"/>
+          <a:stretch>
+            <a:fillRect/>
+          </a:stretch>
+        </p:blipFill>
+        <p:spPr>
+          <a:xfrm>
+            <a:off x="838200" y="1815465"/>
+            <a:ext cx="9072880" cy="2686050"/>
+          </a:xfrm>
+          <a:prstGeom prst="rect">
+            <a:avLst/>
+          </a:prstGeom>
+        </p:spPr>
+      </p:pic>
+      <p:sp>
+        <p:nvSpPr>
+          <p:cNvPr id="5" name="文本框 4"/>
+          <p:cNvSpPr txBox="1"/>
+          <p:nvPr/>
+        </p:nvSpPr>
+        <p:spPr>
+          <a:xfrm>
+            <a:off x="888365" y="5224780"/>
+            <a:ext cx="8691880" cy="953135"/>
+          </a:xfrm>
+          <a:prstGeom prst="rect">
+            <a:avLst/>
+          </a:prstGeom>
+          <a:noFill/>
+        </p:spPr>
+        <p:txBody>
+          <a:bodyPr wrap="none" rtlCol="0">
+            <a:spAutoFit/>
+          </a:bodyPr>
+          <a:p>
+            <a:r>
+              <a:rPr lang="zh-CN" altLang="en-US" sz="2800"/>
+              <a:t>这一部分的relationships 较quartz部分更有针对性，</a:t>
+            </a:r>
+            <a:endParaRPr lang="zh-CN" altLang="en-US" sz="2800"/>
+          </a:p>
+          <a:p>
+            <a:r>
+              <a:rPr lang="zh-CN" altLang="en-US" sz="2800"/>
+              <a:t>仅包含等价类集合涉及的代表元之间的关系</a:t>
+            </a:r>
+            <a:endParaRPr lang="en-US" altLang="zh-CN"/>
+          </a:p>
+        </p:txBody>
+      </p:sp>
+    </p:spTree>
+  </p:cSld>
+  <p:clrMapOvr>
+    <a:masterClrMapping/>
+  </p:clrMapOvr>
+  <p:timing>
+    <p:tnLst>
+      <p:par>
+        <p:cTn id="1" dur="indefinite" restart="never" nodeType="tmRoot">
+          <p:childTnLst>
+            <p:seq concurrent="1" nextAc="seek">
+              <p:cTn id="2" dur="indefinite" nodeType="mainSeq">
+                <p:childTnLst>
+                  <p:par>
+                    <p:cTn id="3" fill="hold">
+                      <p:stCondLst>
+                        <p:cond delay="indefinite"/>
+                      </p:stCondLst>
+                      <p:childTnLst>
+                        <p:par>
+                          <p:cTn id="4" fill="hold">
+                            <p:stCondLst>
+                              <p:cond delay="0"/>
+                            </p:stCondLst>
+                            <p:childTnLst>
+                              <p:par>
+                                <p:cTn id="5" presetID="1" presetClass="entr" presetSubtype="0" fill="hold" nodeType="clickEffect">
+                                  <p:stCondLst>
+                                    <p:cond delay="0"/>
+                                  </p:stCondLst>
+                                  <p:childTnLst>
+                                    <p:set>
+                                      <p:cBhvr>
+                                        <p:cTn id="6" dur="1" fill="hold">
+                                          <p:stCondLst>
+                                            <p:cond delay="0"/>
+                                          </p:stCondLst>
+                                        </p:cTn>
+                                        <p:tgtEl>
+                                          <p:spTgt spid="4"/>
+                                        </p:tgtEl>
+                                        <p:attrNameLst>
+                                          <p:attrName>style.visibility</p:attrName>
+                                        </p:attrNameLst>
+                                      </p:cBhvr>
+                                      <p:to>
+                                        <p:strVal val="visible"/>
+                                      </p:to>
+                                    </p:set>
+                                  </p:childTnLst>
+                                </p:cTn>
+                              </p:par>
+                            </p:childTnLst>
+                          </p:cTn>
+                        </p:par>
+                      </p:childTnLst>
+                    </p:cTn>
+                  </p:par>
+                  <p:par>
+                    <p:cTn id="7" fill="hold">
+                      <p:stCondLst>
+                        <p:cond delay="indefinite"/>
+                      </p:stCondLst>
+                      <p:childTnLst>
+                        <p:par>
+                          <p:cTn id="8" fill="hold">
+                            <p:stCondLst>
+                              <p:cond delay="0"/>
+                            </p:stCondLst>
+                            <p:childTnLst>
+                              <p:par>
+                                <p:cTn id="9" presetID="1" presetClass="entr" presetSubtype="0" fill="hold" grpId="0" nodeType="clickEffect">
+                                  <p:stCondLst>
+                                    <p:cond delay="0"/>
+                                  </p:stCondLst>
+                                  <p:childTnLst>
+                                    <p:set>
+                                      <p:cBhvr>
+                                        <p:cTn id="10" dur="1" fill="hold">
+                                          <p:stCondLst>
+                                            <p:cond delay="0"/>
+                                          </p:stCondLst>
+                                        </p:cTn>
+                                        <p:tgtEl>
+                                          <p:spTgt spid="5"/>
+                                        </p:tgtEl>
+                                        <p:attrNameLst>
+                                          <p:attrName>style.visibility</p:attrName>
+                                        </p:attrNameLst>
+                                      </p:cBhvr>
+                                      <p:to>
+                                        <p:strVal val="visible"/>
+                                      </p:to>
+                                    </p:set>
+                                  </p:childTnLst>
+                                </p:cTn>
+                              </p:par>
+                            </p:childTnLst>
+                          </p:cTn>
+                        </p:par>
+                      </p:childTnLst>
+                    </p:cTn>
+                  </p:par>
+                </p:childTnLst>
+              </p:cTn>
+              <p:prevCondLst>
+                <p:cond evt="onPrev" delay="0">
+                  <p:tgtEl>
+                    <p:sldTgt/>
+                  </p:tgtEl>
+                </p:cond>
+              </p:prevCondLst>
+              <p:nextCondLst>
+                <p:cond evt="onNext" delay="0">
+                  <p:tgtEl>
+                    <p:sldTgt/>
+                  </p:tgtEl>
+                </p:cond>
+              </p:nextCondLst>
+            </p:seq>
+          </p:childTnLst>
+        </p:cTn>
+      </p:par>
+    </p:tnLst>
+    <p:bldLst>
+      <p:bldP spid="5" grpId="0"/>
+      <p:bldP spid="5" grpId="1"/>
+    </p:bldLst>
+  </p:timing>
+</p:sld>
+</file>
+
+<file path=ppt/slides/slide35.xml><?xml version="1.0" encoding="utf-8"?>
+<p:sld xmlns:a="http://schemas.openxmlformats.org/drawingml/2006/main" xmlns:r="http://schemas.openxmlformats.org/officeDocument/2006/relationships" xmlns:p="http://schemas.openxmlformats.org/presentationml/2006/main">
+  <p:cSld>
+    <p:spTree>
+      <p:nvGrpSpPr>
+        <p:cNvPr id="1" name=""/>
+        <p:cNvGrpSpPr/>
+        <p:nvPr/>
+      </p:nvGrpSpPr>
+      <p:grpSpPr/>
+      <p:sp>
+        <p:nvSpPr>
+          <p:cNvPr id="2" name="标题 1"/>
+          <p:cNvSpPr>
+            <a:spLocks noGrp="1"/>
+          </p:cNvSpPr>
+          <p:nvPr>
+            <p:ph type="title"/>
+          </p:nvPr>
+        </p:nvSpPr>
+        <p:spPr/>
+        <p:txBody>
+          <a:bodyPr/>
+          <a:p>
+            <a:r>
+              <a:rPr lang="zh-CN" altLang="en-US">
+                <a:sym typeface="+mn-ea"/>
+              </a:rPr>
+              <a:t>调度器的初步实现</a:t>
+            </a:r>
+            <a:endParaRPr lang="zh-CN" altLang="en-US"/>
+          </a:p>
+        </p:txBody>
+      </p:sp>
+      <p:sp>
+        <p:nvSpPr>
+          <p:cNvPr id="5" name="内容占位符 4"/>
+          <p:cNvSpPr/>
+          <p:nvPr>
+            <p:ph idx="1"/>
+          </p:nvPr>
+        </p:nvSpPr>
+        <p:spPr/>
+        <p:txBody>
+          <a:bodyPr/>
+          <a:p>
+            <a:r>
+              <a:rPr lang="zh-CN" altLang="en-US"/>
+              <a:t>调度算法与</a:t>
+            </a:r>
+            <a:r>
+              <a:rPr lang="en-US" altLang="zh-CN"/>
+              <a:t>QCIR</a:t>
+            </a:r>
+            <a:r>
+              <a:rPr lang="zh-CN" altLang="en-US"/>
+              <a:t>不相容的地方：</a:t>
+            </a:r>
+            <a:r>
+              <a:rPr lang="en-US" altLang="zh-CN"/>
+              <a:t> </a:t>
+            </a:r>
+            <a:endParaRPr lang="en-US" altLang="zh-CN"/>
+          </a:p>
+          <a:p>
+            <a:r>
+              <a:rPr lang="en-US" altLang="zh-CN"/>
+              <a:t>MatchAndRewrite</a:t>
+            </a:r>
+            <a:r>
+              <a:rPr lang="zh-CN" altLang="en-US"/>
+              <a:t>函数</a:t>
+            </a:r>
+            <a:r>
+              <a:rPr lang="en-US" altLang="zh-CN"/>
+              <a:t> </a:t>
+            </a:r>
+            <a:r>
+              <a:rPr lang="zh-CN" altLang="en-US"/>
+              <a:t>在匹配的过程中将源程序</a:t>
+            </a:r>
+            <a:r>
+              <a:rPr lang="en-US" altLang="zh-CN"/>
+              <a:t>dag</a:t>
+            </a:r>
+            <a:r>
+              <a:rPr lang="zh-CN" altLang="en-US"/>
+              <a:t>重写了</a:t>
+            </a:r>
+            <a:endParaRPr lang="zh-CN" altLang="en-US"/>
+          </a:p>
+          <a:p>
+            <a:r>
+              <a:rPr lang="zh-CN" altLang="en-US"/>
+              <a:t>调度算法需要依据包含关系，找到与</a:t>
+            </a:r>
+            <a:r>
+              <a:rPr lang="en-US" altLang="zh-CN"/>
+              <a:t>dag</a:t>
+            </a:r>
+            <a:r>
+              <a:rPr lang="zh-CN" altLang="en-US"/>
+              <a:t>匹配的最大的</a:t>
+            </a:r>
+            <a:r>
+              <a:rPr lang="en-US" altLang="zh-CN"/>
+              <a:t>pattern</a:t>
+            </a:r>
+            <a:endParaRPr lang="en-US" altLang="zh-CN"/>
+          </a:p>
+          <a:p>
+            <a:r>
+              <a:rPr lang="zh-CN" altLang="en-US"/>
+              <a:t>这就需要</a:t>
+            </a:r>
+            <a:r>
+              <a:rPr lang="en-US" altLang="zh-CN"/>
+              <a:t>MatchAndRewrite</a:t>
+            </a:r>
+            <a:r>
+              <a:rPr lang="zh-CN" altLang="en-US"/>
+              <a:t>匹配的同时不重写</a:t>
+            </a:r>
+            <a:r>
+              <a:rPr lang="en-US" altLang="zh-CN"/>
+              <a:t>dag</a:t>
+            </a:r>
+            <a:endParaRPr lang="en-US" altLang="zh-CN"/>
+          </a:p>
+          <a:p>
+            <a:r>
+              <a:rPr lang="zh-CN" altLang="en-US"/>
+              <a:t>解决办法：</a:t>
+            </a:r>
+            <a:endParaRPr lang="zh-CN" altLang="en-US"/>
+          </a:p>
+          <a:p>
+            <a:endParaRPr lang="zh-CN" altLang="en-US"/>
+          </a:p>
+          <a:p>
+            <a:endParaRPr lang="zh-CN" altLang="en-US"/>
+          </a:p>
+          <a:p>
+            <a:r>
+              <a:rPr lang="zh-CN" altLang="en-US"/>
+              <a:t>在函数的参数中添加一个</a:t>
+            </a:r>
+            <a:r>
+              <a:rPr lang="en-US" altLang="zh-CN"/>
+              <a:t>bool</a:t>
+            </a:r>
+            <a:r>
+              <a:rPr lang="zh-CN" altLang="en-US"/>
+              <a:t>变量，限制重写命令</a:t>
+            </a:r>
+            <a:endParaRPr lang="zh-CN" altLang="en-US"/>
+          </a:p>
+          <a:p>
+            <a:endParaRPr lang="zh-CN" altLang="en-US"/>
+          </a:p>
+        </p:txBody>
+      </p:sp>
+      <p:pic>
+        <p:nvPicPr>
+          <p:cNvPr id="6" name="图片 5"/>
+          <p:cNvPicPr>
+            <a:picLocks noChangeAspect="1"/>
+          </p:cNvPicPr>
+          <p:nvPr/>
+        </p:nvPicPr>
+        <p:blipFill>
+          <a:blip r:embed="rId1"/>
+          <a:stretch>
+            <a:fillRect/>
+          </a:stretch>
+        </p:blipFill>
+        <p:spPr>
+          <a:xfrm>
+            <a:off x="1113790" y="4475480"/>
+            <a:ext cx="9964420" cy="561975"/>
+          </a:xfrm>
+          <a:prstGeom prst="rect">
+            <a:avLst/>
+          </a:prstGeom>
+        </p:spPr>
+      </p:pic>
+    </p:spTree>
+  </p:cSld>
+  <p:clrMapOvr>
+    <a:masterClrMapping/>
+  </p:clrMapOvr>
+  <p:timing>
+    <p:tnLst>
+      <p:par>
+        <p:cTn id="1" dur="indefinite" restart="never" nodeType="tmRoot">
+          <p:childTnLst>
+            <p:seq concurrent="1" nextAc="seek">
+              <p:cTn id="2" dur="indefinite" nodeType="mainSeq">
+                <p:childTnLst>
+                  <p:par>
+                    <p:cTn id="3" fill="hold">
+                      <p:stCondLst>
+                        <p:cond delay="indefinite"/>
+                      </p:stCondLst>
+                      <p:childTnLst>
+                        <p:par>
+                          <p:cTn id="4" fill="hold">
+                            <p:stCondLst>
+                              <p:cond delay="0"/>
+                            </p:stCondLst>
+                            <p:childTnLst>
+                              <p:par>
+                                <p:cTn id="5" presetID="1" presetClass="entr" presetSubtype="0" fill="hold" grpId="0" nodeType="clickEffect">
+                                  <p:stCondLst>
+                                    <p:cond delay="0"/>
+                                  </p:stCondLst>
+                                  <p:childTnLst>
+                                    <p:set>
+                                      <p:cBhvr>
+                                        <p:cTn id="6" dur="1" fill="hold">
+                                          <p:stCondLst>
+                                            <p:cond delay="0"/>
+                                          </p:stCondLst>
+                                        </p:cTn>
+                                        <p:tgtEl>
+                                          <p:spTgt spid="5">
+                                            <p:txEl>
+                                              <p:pRg st="0" end="0"/>
+                                            </p:txEl>
+                                          </p:spTgt>
+                                        </p:tgtEl>
+                                        <p:attrNameLst>
+                                          <p:attrName>style.visibility</p:attrName>
+                                        </p:attrNameLst>
+                                      </p:cBhvr>
+                                      <p:to>
+                                        <p:strVal val="visible"/>
+                                      </p:to>
+                                    </p:set>
+                                  </p:childTnLst>
+                                </p:cTn>
+                              </p:par>
+                            </p:childTnLst>
+                          </p:cTn>
+                        </p:par>
+                      </p:childTnLst>
+                    </p:cTn>
+                  </p:par>
+                  <p:par>
+                    <p:cTn id="7" fill="hold">
+                      <p:stCondLst>
+                        <p:cond delay="indefinite"/>
+                      </p:stCondLst>
+                      <p:childTnLst>
+                        <p:par>
+                          <p:cTn id="8" fill="hold">
+                            <p:stCondLst>
+                              <p:cond delay="0"/>
+                            </p:stCondLst>
+                            <p:childTnLst>
+                              <p:par>
+                                <p:cTn id="9" presetID="1" presetClass="entr" presetSubtype="0" fill="hold" grpId="0" nodeType="clickEffect">
+                                  <p:stCondLst>
+                                    <p:cond delay="0"/>
+                                  </p:stCondLst>
+                                  <p:childTnLst>
+                                    <p:set>
+                                      <p:cBhvr>
+                                        <p:cTn id="10" dur="1" fill="hold">
+                                          <p:stCondLst>
+                                            <p:cond delay="0"/>
+                                          </p:stCondLst>
+                                        </p:cTn>
+                                        <p:tgtEl>
+                                          <p:spTgt spid="5">
+                                            <p:txEl>
+                                              <p:pRg st="1" end="1"/>
+                                            </p:txEl>
+                                          </p:spTgt>
+                                        </p:tgtEl>
+                                        <p:attrNameLst>
+                                          <p:attrName>style.visibility</p:attrName>
+                                        </p:attrNameLst>
+                                      </p:cBhvr>
+                                      <p:to>
+                                        <p:strVal val="visible"/>
+                                      </p:to>
+                                    </p:set>
+                                  </p:childTnLst>
+                                </p:cTn>
+                              </p:par>
+                            </p:childTnLst>
+                          </p:cTn>
+                        </p:par>
+                      </p:childTnLst>
+                    </p:cTn>
+                  </p:par>
+                  <p:par>
+                    <p:cTn id="11" fill="hold">
+                      <p:stCondLst>
+                        <p:cond delay="indefinite"/>
+                      </p:stCondLst>
+                      <p:childTnLst>
+                        <p:par>
+                          <p:cTn id="12" fill="hold">
+                            <p:stCondLst>
+                              <p:cond delay="0"/>
+                            </p:stCondLst>
+                            <p:childTnLst>
+                              <p:par>
+                                <p:cTn id="13" presetID="1" presetClass="entr" presetSubtype="0" fill="hold" grpId="0" nodeType="clickEffect">
+                                  <p:stCondLst>
+                                    <p:cond delay="0"/>
+                                  </p:stCondLst>
+                                  <p:childTnLst>
+                                    <p:set>
+                                      <p:cBhvr>
+                                        <p:cTn id="14" dur="1" fill="hold">
+                                          <p:stCondLst>
+                                            <p:cond delay="0"/>
+                                          </p:stCondLst>
+                                        </p:cTn>
+                                        <p:tgtEl>
+                                          <p:spTgt spid="5">
+                                            <p:txEl>
+                                              <p:pRg st="2" end="2"/>
+                                            </p:txEl>
+                                          </p:spTgt>
+                                        </p:tgtEl>
+                                        <p:attrNameLst>
+                                          <p:attrName>style.visibility</p:attrName>
+                                        </p:attrNameLst>
+                                      </p:cBhvr>
+                                      <p:to>
+                                        <p:strVal val="visible"/>
+                                      </p:to>
+                                    </p:set>
+                                  </p:childTnLst>
+                                </p:cTn>
+                              </p:par>
+                            </p:childTnLst>
+                          </p:cTn>
+                        </p:par>
+                      </p:childTnLst>
+                    </p:cTn>
+                  </p:par>
+                  <p:par>
+                    <p:cTn id="15" fill="hold">
+                      <p:stCondLst>
+                        <p:cond delay="indefinite"/>
+                      </p:stCondLst>
+                      <p:childTnLst>
+                        <p:par>
+                          <p:cTn id="16" fill="hold">
+                            <p:stCondLst>
+                              <p:cond delay="0"/>
+                            </p:stCondLst>
+                            <p:childTnLst>
+                              <p:par>
+                                <p:cTn id="17" presetID="1" presetClass="entr" presetSubtype="0" fill="hold" grpId="0" nodeType="clickEffect">
+                                  <p:stCondLst>
+                                    <p:cond delay="0"/>
+                                  </p:stCondLst>
+                                  <p:childTnLst>
+                                    <p:set>
+                                      <p:cBhvr>
+                                        <p:cTn id="18" dur="1" fill="hold">
+                                          <p:stCondLst>
+                                            <p:cond delay="0"/>
+                                          </p:stCondLst>
+                                        </p:cTn>
+                                        <p:tgtEl>
+                                          <p:spTgt spid="5">
+                                            <p:txEl>
+                                              <p:pRg st="3" end="3"/>
+                                            </p:txEl>
+                                          </p:spTgt>
+                                        </p:tgtEl>
+                                        <p:attrNameLst>
+                                          <p:attrName>style.visibility</p:attrName>
+                                        </p:attrNameLst>
+                                      </p:cBhvr>
+                                      <p:to>
+                                        <p:strVal val="visible"/>
+                                      </p:to>
+                                    </p:set>
+                                  </p:childTnLst>
+                                </p:cTn>
+                              </p:par>
+                            </p:childTnLst>
+                          </p:cTn>
+                        </p:par>
+                      </p:childTnLst>
+                    </p:cTn>
+                  </p:par>
+                  <p:par>
+                    <p:cTn id="19" fill="hold">
+                      <p:stCondLst>
+                        <p:cond delay="indefinite"/>
+                      </p:stCondLst>
+                      <p:childTnLst>
+                        <p:par>
+                          <p:cTn id="20" fill="hold">
+                            <p:stCondLst>
+                              <p:cond delay="0"/>
+                            </p:stCondLst>
+                            <p:childTnLst>
+                              <p:par>
+                                <p:cTn id="21" presetID="1" presetClass="entr" presetSubtype="0" fill="hold" grpId="0" nodeType="clickEffect">
+                                  <p:stCondLst>
+                                    <p:cond delay="0"/>
+                                  </p:stCondLst>
+                                  <p:childTnLst>
+                                    <p:set>
+                                      <p:cBhvr>
+                                        <p:cTn id="22" dur="1" fill="hold">
+                                          <p:stCondLst>
+                                            <p:cond delay="0"/>
+                                          </p:stCondLst>
+                                        </p:cTn>
+                                        <p:tgtEl>
+                                          <p:spTgt spid="5">
+                                            <p:txEl>
+                                              <p:pRg st="4" end="4"/>
+                                            </p:txEl>
+                                          </p:spTgt>
+                                        </p:tgtEl>
+                                        <p:attrNameLst>
+                                          <p:attrName>style.visibility</p:attrName>
+                                        </p:attrNameLst>
+                                      </p:cBhvr>
+                                      <p:to>
+                                        <p:strVal val="visible"/>
+                                      </p:to>
+                                    </p:set>
+                                  </p:childTnLst>
+                                </p:cTn>
+                              </p:par>
+                            </p:childTnLst>
+                          </p:cTn>
+                        </p:par>
+                      </p:childTnLst>
+                    </p:cTn>
+                  </p:par>
+                  <p:par>
+                    <p:cTn id="23" fill="hold">
+                      <p:stCondLst>
+                        <p:cond delay="indefinite"/>
+                      </p:stCondLst>
+                      <p:childTnLst>
+                        <p:par>
+                          <p:cTn id="24" fill="hold">
+                            <p:stCondLst>
+                              <p:cond delay="0"/>
+                            </p:stCondLst>
+                            <p:childTnLst>
+                              <p:par>
+                                <p:cTn id="25" presetID="1" presetClass="entr" presetSubtype="0" fill="hold" nodeType="clickEffect">
+                                  <p:stCondLst>
+                                    <p:cond delay="0"/>
+                                  </p:stCondLst>
+                                  <p:childTnLst>
+                                    <p:set>
+                                      <p:cBhvr>
+                                        <p:cTn id="26" dur="1" fill="hold">
+                                          <p:stCondLst>
+                                            <p:cond delay="0"/>
+                                          </p:stCondLst>
+                                        </p:cTn>
+                                        <p:tgtEl>
+                                          <p:spTgt spid="6"/>
+                                        </p:tgtEl>
+                                        <p:attrNameLst>
+                                          <p:attrName>style.visibility</p:attrName>
+                                        </p:attrNameLst>
+                                      </p:cBhvr>
+                                      <p:to>
+                                        <p:strVal val="visible"/>
+                                      </p:to>
+                                    </p:set>
+                                  </p:childTnLst>
+                                </p:cTn>
+                              </p:par>
+                            </p:childTnLst>
+                          </p:cTn>
+                        </p:par>
+                      </p:childTnLst>
+                    </p:cTn>
+                  </p:par>
+                  <p:par>
+                    <p:cTn id="27" fill="hold">
+                      <p:stCondLst>
+                        <p:cond delay="indefinite"/>
+                      </p:stCondLst>
+                      <p:childTnLst>
+                        <p:par>
+                          <p:cTn id="28" fill="hold">
+                            <p:stCondLst>
+                              <p:cond delay="0"/>
+                            </p:stCondLst>
+                            <p:childTnLst>
+                              <p:par>
+                                <p:cTn id="29" presetID="1" presetClass="entr" presetSubtype="0" fill="hold" grpId="0" nodeType="clickEffect">
+                                  <p:stCondLst>
+                                    <p:cond delay="0"/>
+                                  </p:stCondLst>
+                                  <p:childTnLst>
+                                    <p:set>
+                                      <p:cBhvr>
+                                        <p:cTn id="30" dur="1" fill="hold">
+                                          <p:stCondLst>
+                                            <p:cond delay="0"/>
+                                          </p:stCondLst>
+                                        </p:cTn>
+                                        <p:tgtEl>
+                                          <p:spTgt spid="5">
+                                            <p:txEl>
+                                              <p:pRg st="7" end="7"/>
+                                            </p:txEl>
+                                          </p:spTgt>
+                                        </p:tgtEl>
+                                        <p:attrNameLst>
+                                          <p:attrName>style.visibility</p:attrName>
+                                        </p:attrNameLst>
+                                      </p:cBhvr>
+                                      <p:to>
+                                        <p:strVal val="visible"/>
+                                      </p:to>
+                                    </p:set>
+                                  </p:childTnLst>
+                                </p:cTn>
+                              </p:par>
+                            </p:childTnLst>
+                          </p:cTn>
+                        </p:par>
+                      </p:childTnLst>
+                    </p:cTn>
+                  </p:par>
+                </p:childTnLst>
+              </p:cTn>
+              <p:prevCondLst>
+                <p:cond evt="onPrev" delay="0">
+                  <p:tgtEl>
+                    <p:sldTgt/>
+                  </p:tgtEl>
+                </p:cond>
+              </p:prevCondLst>
+              <p:nextCondLst>
+                <p:cond evt="onNext" delay="0">
+                  <p:tgtEl>
+                    <p:sldTgt/>
+                  </p:tgtEl>
+                </p:cond>
+              </p:nextCondLst>
+            </p:seq>
+          </p:childTnLst>
+        </p:cTn>
+      </p:par>
+    </p:tnLst>
+    <p:bldLst>
+      <p:bldP spid="5" grpId="0" uiExpand="1" build="p"/>
+      <p:bldP spid="5" grpId="1" build="p"/>
+    </p:bldLst>
+  </p:timing>
+</p:sld>
+</file>
+
+<file path=ppt/slides/slide36.xml><?xml version="1.0" encoding="utf-8"?>
+<p:sld xmlns:a="http://schemas.openxmlformats.org/drawingml/2006/main" xmlns:r="http://schemas.openxmlformats.org/officeDocument/2006/relationships" xmlns:p="http://schemas.openxmlformats.org/presentationml/2006/main">
+  <p:cSld>
+    <p:spTree>
+      <p:nvGrpSpPr>
+        <p:cNvPr id="1" name=""/>
+        <p:cNvGrpSpPr/>
+        <p:nvPr/>
+      </p:nvGrpSpPr>
+      <p:grpSpPr/>
+      <p:sp>
+        <p:nvSpPr>
+          <p:cNvPr id="2" name="标题 1"/>
+          <p:cNvSpPr>
+            <a:spLocks noGrp="1"/>
+          </p:cNvSpPr>
+          <p:nvPr>
+            <p:ph type="title"/>
+          </p:nvPr>
+        </p:nvSpPr>
+        <p:spPr/>
+        <p:txBody>
+          <a:bodyPr/>
+          <a:p>
+            <a:r>
+              <a:rPr lang="zh-CN" altLang="en-US"/>
+              <a:t>出现的问题</a:t>
+            </a:r>
+            <a:endParaRPr lang="zh-CN" altLang="en-US"/>
+          </a:p>
+        </p:txBody>
+      </p:sp>
+      <p:sp>
+        <p:nvSpPr>
+          <p:cNvPr id="3" name="内容占位符 2"/>
+          <p:cNvSpPr>
+            <a:spLocks noGrp="1"/>
+          </p:cNvSpPr>
+          <p:nvPr>
+            <p:ph idx="1"/>
+          </p:nvPr>
+        </p:nvSpPr>
+        <p:spPr/>
+        <p:txBody>
+          <a:bodyPr/>
+          <a:p>
+            <a:pPr marL="0" indent="0"/>
+            <a:r>
+              <a:rPr lang="zh-CN" altLang="en-US"/>
+              <a:t>原本卡在</a:t>
+            </a:r>
+            <a:r>
+              <a:rPr lang="en-US" altLang="zh-CN"/>
+              <a:t>MatchAndRewrite</a:t>
+            </a:r>
+            <a:r>
+              <a:rPr lang="zh-CN" altLang="en-US"/>
+              <a:t>的修改</a:t>
+            </a:r>
+            <a:endParaRPr lang="zh-CN" altLang="en-US"/>
+          </a:p>
+          <a:p>
+            <a:pPr marL="0" indent="0"/>
+            <a:r>
+              <a:rPr lang="zh-CN" altLang="en-US"/>
+              <a:t>先改好了，还有一点其他的小</a:t>
+            </a:r>
+            <a:r>
+              <a:rPr lang="en-US" altLang="zh-CN"/>
+              <a:t>bug</a:t>
+            </a:r>
+            <a:endParaRPr lang="zh-CN" altLang="en-US"/>
+          </a:p>
+          <a:p>
+            <a:pPr marL="0" indent="0">
+              <a:buNone/>
+            </a:pPr>
+            <a:endParaRPr lang="zh-CN" altLang="en-US"/>
+          </a:p>
+        </p:txBody>
+      </p:sp>
+    </p:spTree>
+  </p:cSld>
+  <p:clrMapOvr>
+    <a:masterClrMapping/>
+  </p:clrMapOvr>
+  <p:timing>
+    <p:tnLst>
+      <p:par>
+        <p:cTn id="1" dur="indefinite" restart="never" nodeType="tmRoot"/>
+      </p:par>
+    </p:tnLst>
+    <p:bldLst>
+      <p:bldP spid="3" grpId="1" build="p"/>
+    </p:bldLst>
+  </p:timing>
+</p:sld>
+</file>
+
+<file path=ppt/slides/slide37.xml><?xml version="1.0" encoding="utf-8"?>
+<p:sld xmlns:a="http://schemas.openxmlformats.org/drawingml/2006/main" xmlns:r="http://schemas.openxmlformats.org/officeDocument/2006/relationships" xmlns:p="http://schemas.openxmlformats.org/presentationml/2006/main">
+  <p:cSld>
+    <p:spTree>
+      <p:nvGrpSpPr>
+        <p:cNvPr id="1" name=""/>
+        <p:cNvGrpSpPr/>
+        <p:nvPr/>
+      </p:nvGrpSpPr>
+      <p:grpSpPr/>
+      <p:sp>
+        <p:nvSpPr>
+          <p:cNvPr id="2" name="标题 1"/>
+          <p:cNvSpPr>
+            <a:spLocks noGrp="1"/>
+          </p:cNvSpPr>
+          <p:nvPr>
+            <p:ph type="title"/>
+          </p:nvPr>
+        </p:nvSpPr>
+        <p:spPr/>
+        <p:txBody>
+          <a:bodyPr/>
+          <a:p>
+            <a:r>
+              <a:rPr lang="zh-CN" altLang="en-US"/>
+              <a:t>下一步</a:t>
+            </a:r>
+            <a:endParaRPr lang="zh-CN" altLang="en-US"/>
+          </a:p>
+        </p:txBody>
+      </p:sp>
+      <p:sp>
+        <p:nvSpPr>
+          <p:cNvPr id="3" name="内容占位符 2"/>
+          <p:cNvSpPr>
+            <a:spLocks noGrp="1"/>
+          </p:cNvSpPr>
+          <p:nvPr>
+            <p:ph idx="1"/>
+          </p:nvPr>
+        </p:nvSpPr>
+        <p:spPr/>
+        <p:txBody>
+          <a:bodyPr/>
+          <a:p>
+            <a:r>
+              <a:rPr lang="zh-CN" altLang="en-US"/>
+              <a:t>解决上述问题</a:t>
+            </a:r>
+            <a:endParaRPr lang="zh-CN" altLang="en-US"/>
+          </a:p>
+          <a:p>
+            <a:r>
+              <a:rPr lang="zh-CN" altLang="en-US"/>
+              <a:t>继续实现调度器</a:t>
+            </a:r>
+            <a:endParaRPr lang="zh-CN" altLang="en-US"/>
+          </a:p>
+          <a:p>
+            <a:r>
+              <a:rPr lang="zh-CN" altLang="en-US"/>
+              <a:t>完成简单的测试</a:t>
+            </a:r>
+            <a:endParaRPr lang="zh-CN" altLang="en-US"/>
+          </a:p>
+          <a:p>
+            <a:endParaRPr lang="zh-CN" altLang="en-US"/>
+          </a:p>
+          <a:p>
+            <a:pPr marL="0" indent="0">
+              <a:buNone/>
+            </a:pPr>
+            <a:endParaRPr lang="zh-CN" altLang="en-US"/>
+          </a:p>
+        </p:txBody>
+      </p:sp>
+    </p:spTree>
+  </p:cSld>
+  <p:clrMapOvr>
+    <a:masterClrMapping/>
+  </p:clrMapOvr>
+  <p:timing>
+    <p:tnLst>
+      <p:par>
+        <p:cTn id="1" dur="indefinite" restart="never" nodeType="tmRoot">
+          <p:childTnLst>
+            <p:seq concurrent="1" nextAc="seek">
+              <p:cTn id="2" dur="indefinite" nodeType="mainSeq">
+                <p:childTnLst>
+                  <p:par>
+                    <p:cTn id="3" fill="hold">
+                      <p:stCondLst>
+                        <p:cond delay="indefinite"/>
+                      </p:stCondLst>
+                      <p:childTnLst>
+                        <p:par>
+                          <p:cTn id="4" fill="hold">
+                            <p:stCondLst>
+                              <p:cond delay="0"/>
+                            </p:stCondLst>
+                            <p:childTnLst>
+                              <p:par>
+                                <p:cTn id="5" presetID="1" presetClass="entr" presetSubtype="0" fill="hold" grpId="0" nodeType="clickEffect">
+                                  <p:stCondLst>
+                                    <p:cond delay="0"/>
+                                  </p:stCondLst>
+                                  <p:childTnLst>
+                                    <p:set>
+                                      <p:cBhvr>
+                                        <p:cTn id="6" dur="1" fill="hold">
+                                          <p:stCondLst>
+                                            <p:cond delay="0"/>
+                                          </p:stCondLst>
+                                        </p:cTn>
+                                        <p:tgtEl>
+                                          <p:spTgt spid="3">
+                                            <p:txEl>
+                                              <p:pRg st="0" end="0"/>
+                                            </p:txEl>
+                                          </p:spTgt>
+                                        </p:tgtEl>
+                                        <p:attrNameLst>
+                                          <p:attrName>style.visibility</p:attrName>
+                                        </p:attrNameLst>
+                                      </p:cBhvr>
+                                      <p:to>
+                                        <p:strVal val="visible"/>
+                                      </p:to>
+                                    </p:set>
+                                  </p:childTnLst>
+                                </p:cTn>
+                              </p:par>
+                            </p:childTnLst>
+                          </p:cTn>
+                        </p:par>
+                      </p:childTnLst>
+                    </p:cTn>
+                  </p:par>
+                  <p:par>
+                    <p:cTn id="7" fill="hold">
+                      <p:stCondLst>
+                        <p:cond delay="indefinite"/>
+                      </p:stCondLst>
+                      <p:childTnLst>
+                        <p:par>
+                          <p:cTn id="8" fill="hold">
+                            <p:stCondLst>
+                              <p:cond delay="0"/>
+                            </p:stCondLst>
+                            <p:childTnLst>
+                              <p:par>
+                                <p:cTn id="9" presetID="1" presetClass="entr" presetSubtype="0" fill="hold" grpId="0" nodeType="clickEffect">
+                                  <p:stCondLst>
+                                    <p:cond delay="0"/>
+                                  </p:stCondLst>
+                                  <p:childTnLst>
+                                    <p:set>
+                                      <p:cBhvr>
+                                        <p:cTn id="10" dur="1" fill="hold">
+                                          <p:stCondLst>
+                                            <p:cond delay="0"/>
+                                          </p:stCondLst>
+                                        </p:cTn>
+                                        <p:tgtEl>
+                                          <p:spTgt spid="3">
+                                            <p:txEl>
+                                              <p:pRg st="1" end="1"/>
+                                            </p:txEl>
+                                          </p:spTgt>
+                                        </p:tgtEl>
+                                        <p:attrNameLst>
+                                          <p:attrName>style.visibility</p:attrName>
+                                        </p:attrNameLst>
+                                      </p:cBhvr>
+                                      <p:to>
+                                        <p:strVal val="visible"/>
+                                      </p:to>
+                                    </p:set>
+                                  </p:childTnLst>
+                                </p:cTn>
+                              </p:par>
+                            </p:childTnLst>
+                          </p:cTn>
+                        </p:par>
+                      </p:childTnLst>
+                    </p:cTn>
+                  </p:par>
+                  <p:par>
+                    <p:cTn id="11" fill="hold">
+                      <p:stCondLst>
+                        <p:cond delay="indefinite"/>
+                      </p:stCondLst>
+                      <p:childTnLst>
+                        <p:par>
+                          <p:cTn id="12" fill="hold">
+                            <p:stCondLst>
+                              <p:cond delay="0"/>
+                            </p:stCondLst>
+                            <p:childTnLst>
+                              <p:par>
+                                <p:cTn id="13" presetID="1" presetClass="entr" presetSubtype="0" fill="hold" grpId="0" nodeType="clickEffect">
+                                  <p:stCondLst>
+                                    <p:cond delay="0"/>
+                                  </p:stCondLst>
+                                  <p:childTnLst>
+                                    <p:set>
+                                      <p:cBhvr>
+                                        <p:cTn id="14" dur="1" fill="hold">
+                                          <p:stCondLst>
+                                            <p:cond delay="0"/>
+                                          </p:stCondLst>
+                                        </p:cTn>
+                                        <p:tgtEl>
+                                          <p:spTgt spid="3">
+                                            <p:txEl>
+                                              <p:pRg st="2" end="2"/>
+                                            </p:txEl>
+                                          </p:spTgt>
+                                        </p:tgtEl>
+                                        <p:attrNameLst>
+                                          <p:attrName>style.visibility</p:attrName>
+                                        </p:attrNameLst>
+                                      </p:cBhvr>
+                                      <p:to>
+                                        <p:strVal val="visible"/>
+                                      </p:to>
+                                    </p:set>
+                                  </p:childTnLst>
+                                </p:cTn>
+                              </p:par>
+                            </p:childTnLst>
+                          </p:cTn>
+                        </p:par>
+                      </p:childTnLst>
+                    </p:cTn>
+                  </p:par>
+                </p:childTnLst>
+              </p:cTn>
+              <p:prevCondLst>
+                <p:cond evt="onPrev" delay="0">
+                  <p:tgtEl>
+                    <p:sldTgt/>
+                  </p:tgtEl>
+                </p:cond>
+              </p:prevCondLst>
+              <p:nextCondLst>
+                <p:cond evt="onNext" delay="0">
+                  <p:tgtEl>
+                    <p:sldTgt/>
+                  </p:tgtEl>
+                </p:cond>
+              </p:nextCondLst>
+            </p:seq>
+          </p:childTnLst>
+        </p:cTn>
+      </p:par>
+    </p:tnLst>
+    <p:bldLst>
+      <p:bldP spid="3" grpId="0" build="p"/>
+      <p:bldP spid="3" grpId="1" build="p"/>
+    </p:bldLst>
+  </p:timing>
+</p:sld>
+</file>
+
+<file path=ppt/slides/slide38.xml><?xml version="1.0" encoding="utf-8"?>
+<p:sld xmlns:a="http://schemas.openxmlformats.org/drawingml/2006/main" xmlns:r="http://schemas.openxmlformats.org/officeDocument/2006/relationships" xmlns:p="http://schemas.openxmlformats.org/presentationml/2006/main">
+  <p:cSld>
+    <p:spTree>
+      <p:nvGrpSpPr>
+        <p:cNvPr id="1" name=""/>
+        <p:cNvGrpSpPr/>
+        <p:nvPr/>
+      </p:nvGrpSpPr>
+      <p:grpSpPr/>
+      <p:sp>
+        <p:nvSpPr>
+          <p:cNvPr id="4" name="标题 3"/>
+          <p:cNvSpPr>
+            <a:spLocks noGrp="1"/>
+          </p:cNvSpPr>
+          <p:nvPr>
+            <p:ph type="ctrTitle"/>
+          </p:nvPr>
+        </p:nvSpPr>
+        <p:spPr/>
+        <p:txBody>
+          <a:bodyPr/>
+          <a:p>
+            <a:r>
+              <a:rPr lang="en-US" altLang="zh-CN"/>
+              <a:t>Thanks for listening!</a:t>
+            </a:r>
+            <a:endParaRPr lang="en-US" altLang="zh-CN"/>
+          </a:p>
+        </p:txBody>
+      </p:sp>
+      <p:sp>
+        <p:nvSpPr>
+          <p:cNvPr id="5" name="副标题 4"/>
+          <p:cNvSpPr>
+            <a:spLocks noGrp="1"/>
+          </p:cNvSpPr>
+          <p:nvPr>
+            <p:ph type="subTitle" idx="1"/>
+          </p:nvPr>
+        </p:nvSpPr>
+        <p:spPr>
+          <a:xfrm>
+            <a:off x="1524000" y="4085273"/>
+            <a:ext cx="9144000" cy="1655762"/>
+          </a:xfrm>
+        </p:spPr>
+        <p:txBody>
+          <a:bodyPr/>
+          <a:p>
+            <a:r>
+              <a:rPr lang="en-US" altLang="zh-CN"/>
+              <a:t>Jun Li</a:t>
+            </a:r>
+            <a:endParaRPr lang="en-US" altLang="zh-CN"/>
+          </a:p>
+        </p:txBody>
+      </p:sp>
+    </p:spTree>
+  </p:cSld>
+  <p:clrMapOvr>
+    <a:masterClrMapping/>
+  </p:clrMapOvr>
 </p:sld>
 </file>
 
